--- a/Slides/Keypoints.pptx
+++ b/Slides/Keypoints.pptx
@@ -6,6 +6,10 @@
   </p:sldMasterIdLst>
   <p:sldIdLst>
     <p:sldId id="256" r:id="rId3"/>
+    <p:sldId id="257" r:id="rId4"/>
+    <p:sldId id="258" r:id="rId5"/>
+    <p:sldId id="259" r:id="rId6"/>
+    <p:sldId id="260" r:id="rId7"/>
   </p:sldIdLst>
   <p:sldSz cx="10080625" cy="7559675"/>
   <p:notesSz cx="7559675" cy="10691812"/>
@@ -1953,7 +1957,7 @@
           <a:bodyPr lIns="0" rIns="0" tIns="0" bIns="0"/>
           <a:p>
             <a:pPr algn="r"/>
-            <a:fld id="{DAA8BA4F-AE9E-4D4F-9CF2-443DA6852145}" type="slidenum">
+            <a:fld id="{636F0982-9035-4918-850B-CF8CB6E07493}" type="slidenum">
               <a:rPr lang="en-US" sz="1400" spc="-1" strike="noStrike">
                 <a:solidFill>
                   <a:srgbClr val="000000"/>
@@ -2281,6 +2285,367 @@
       </p:sp>
     </p:spTree>
   </p:cSld>
+  <p:timing>
+    <p:tnLst>
+      <p:par>
+        <p:cTn id="1" dur="indefinite" restart="never" nodeType="tmRoot">
+          <p:childTnLst>
+            <p:seq>
+              <p:cTn id="2" nodeType="mainSeq"/>
+              <p:prevCondLst>
+                <p:cond delay="0" evt="onPrev">
+                  <p:tgtEl>
+                    <p:sldTgt/>
+                  </p:tgtEl>
+                </p:cond>
+              </p:prevCondLst>
+              <p:nextCondLst>
+                <p:cond delay="0" evt="onNext">
+                  <p:tgtEl>
+                    <p:sldTgt/>
+                  </p:tgtEl>
+                </p:cond>
+              </p:nextCondLst>
+            </p:seq>
+          </p:childTnLst>
+        </p:cTn>
+      </p:par>
+    </p:tnLst>
+  </p:timing>
+</p:sld>
+</file>
+
+<file path=ppt/slides/slide2.xml><?xml version="1.0" encoding="utf-8"?>
+<p:sld xmlns:a="http://schemas.openxmlformats.org/drawingml/2006/main" xmlns:p="http://schemas.openxmlformats.org/presentationml/2006/main" xmlns:r="http://schemas.openxmlformats.org/officeDocument/2006/relationships">
+  <p:cSld>
+    <p:spTree>
+      <p:nvGrpSpPr>
+        <p:cNvPr id="1" name=""/>
+        <p:cNvGrpSpPr/>
+        <p:nvPr/>
+      </p:nvGrpSpPr>
+      <p:grpSpPr>
+        <a:xfrm>
+          <a:off x="0" y="0"/>
+          <a:ext cx="0" cy="0"/>
+          <a:chOff x="0" y="0"/>
+          <a:chExt cx="0" cy="0"/>
+        </a:xfrm>
+      </p:grpSpPr>
+      <p:pic>
+        <p:nvPicPr>
+          <p:cNvPr id="41" name="" descr=""/>
+          <p:cNvPicPr/>
+          <p:nvPr/>
+        </p:nvPicPr>
+        <p:blipFill>
+          <a:blip r:embed="rId1"/>
+          <a:stretch/>
+        </p:blipFill>
+        <p:spPr>
+          <a:xfrm>
+            <a:off x="365760" y="1463040"/>
+            <a:ext cx="9372240" cy="4480560"/>
+          </a:xfrm>
+          <a:prstGeom prst="rect">
+            <a:avLst/>
+          </a:prstGeom>
+          <a:ln>
+            <a:noFill/>
+          </a:ln>
+        </p:spPr>
+      </p:pic>
+    </p:spTree>
+  </p:cSld>
+  <p:timing>
+    <p:tnLst>
+      <p:par>
+        <p:cTn id="3" dur="indefinite" restart="never" nodeType="tmRoot">
+          <p:childTnLst>
+            <p:seq>
+              <p:cTn id="4" nodeType="mainSeq"/>
+              <p:prevCondLst>
+                <p:cond delay="0" evt="onPrev">
+                  <p:tgtEl>
+                    <p:sldTgt/>
+                  </p:tgtEl>
+                </p:cond>
+              </p:prevCondLst>
+              <p:nextCondLst>
+                <p:cond delay="0" evt="onNext">
+                  <p:tgtEl>
+                    <p:sldTgt/>
+                  </p:tgtEl>
+                </p:cond>
+              </p:nextCondLst>
+            </p:seq>
+          </p:childTnLst>
+        </p:cTn>
+      </p:par>
+    </p:tnLst>
+  </p:timing>
+</p:sld>
+</file>
+
+<file path=ppt/slides/slide3.xml><?xml version="1.0" encoding="utf-8"?>
+<p:sld xmlns:a="http://schemas.openxmlformats.org/drawingml/2006/main" xmlns:p="http://schemas.openxmlformats.org/presentationml/2006/main" xmlns:r="http://schemas.openxmlformats.org/officeDocument/2006/relationships">
+  <p:cSld>
+    <p:spTree>
+      <p:nvGrpSpPr>
+        <p:cNvPr id="1" name=""/>
+        <p:cNvGrpSpPr/>
+        <p:nvPr/>
+      </p:nvGrpSpPr>
+      <p:grpSpPr>
+        <a:xfrm>
+          <a:off x="0" y="0"/>
+          <a:ext cx="0" cy="0"/>
+          <a:chOff x="0" y="0"/>
+          <a:chExt cx="0" cy="0"/>
+        </a:xfrm>
+      </p:grpSpPr>
+      <p:pic>
+        <p:nvPicPr>
+          <p:cNvPr id="42" name="" descr=""/>
+          <p:cNvPicPr/>
+          <p:nvPr/>
+        </p:nvPicPr>
+        <p:blipFill>
+          <a:blip r:embed="rId1"/>
+          <a:stretch/>
+        </p:blipFill>
+        <p:spPr>
+          <a:xfrm>
+            <a:off x="415800" y="1280160"/>
+            <a:ext cx="9368280" cy="4595760"/>
+          </a:xfrm>
+          <a:prstGeom prst="rect">
+            <a:avLst/>
+          </a:prstGeom>
+          <a:ln>
+            <a:noFill/>
+          </a:ln>
+        </p:spPr>
+      </p:pic>
+    </p:spTree>
+  </p:cSld>
+  <p:timing>
+    <p:tnLst>
+      <p:par>
+        <p:cTn id="5" dur="indefinite" restart="never" nodeType="tmRoot">
+          <p:childTnLst>
+            <p:seq>
+              <p:cTn id="6" nodeType="mainSeq"/>
+              <p:prevCondLst>
+                <p:cond delay="0" evt="onPrev">
+                  <p:tgtEl>
+                    <p:sldTgt/>
+                  </p:tgtEl>
+                </p:cond>
+              </p:prevCondLst>
+              <p:nextCondLst>
+                <p:cond delay="0" evt="onNext">
+                  <p:tgtEl>
+                    <p:sldTgt/>
+                  </p:tgtEl>
+                </p:cond>
+              </p:nextCondLst>
+            </p:seq>
+          </p:childTnLst>
+        </p:cTn>
+      </p:par>
+    </p:tnLst>
+  </p:timing>
+</p:sld>
+</file>
+
+<file path=ppt/slides/slide4.xml><?xml version="1.0" encoding="utf-8"?>
+<p:sld xmlns:a="http://schemas.openxmlformats.org/drawingml/2006/main" xmlns:p="http://schemas.openxmlformats.org/presentationml/2006/main" xmlns:r="http://schemas.openxmlformats.org/officeDocument/2006/relationships">
+  <p:cSld>
+    <p:spTree>
+      <p:nvGrpSpPr>
+        <p:cNvPr id="1" name=""/>
+        <p:cNvGrpSpPr/>
+        <p:nvPr/>
+      </p:nvGrpSpPr>
+      <p:grpSpPr>
+        <a:xfrm>
+          <a:off x="0" y="0"/>
+          <a:ext cx="0" cy="0"/>
+          <a:chOff x="0" y="0"/>
+          <a:chExt cx="0" cy="0"/>
+        </a:xfrm>
+      </p:grpSpPr>
+      <p:pic>
+        <p:nvPicPr>
+          <p:cNvPr id="43" name="" descr=""/>
+          <p:cNvPicPr/>
+          <p:nvPr/>
+        </p:nvPicPr>
+        <p:blipFill>
+          <a:blip r:embed="rId1"/>
+          <a:stretch/>
+        </p:blipFill>
+        <p:spPr>
+          <a:xfrm>
+            <a:off x="457200" y="509760"/>
+            <a:ext cx="6513480" cy="4885200"/>
+          </a:xfrm>
+          <a:prstGeom prst="rect">
+            <a:avLst/>
+          </a:prstGeom>
+          <a:ln>
+            <a:noFill/>
+          </a:ln>
+        </p:spPr>
+      </p:pic>
+      <p:pic>
+        <p:nvPicPr>
+          <p:cNvPr id="44" name="" descr=""/>
+          <p:cNvPicPr/>
+          <p:nvPr/>
+        </p:nvPicPr>
+        <p:blipFill>
+          <a:blip r:embed="rId2"/>
+          <a:stretch/>
+        </p:blipFill>
+        <p:spPr>
+          <a:xfrm>
+            <a:off x="2260800" y="5711400"/>
+            <a:ext cx="7662960" cy="1329480"/>
+          </a:xfrm>
+          <a:prstGeom prst="rect">
+            <a:avLst/>
+          </a:prstGeom>
+          <a:ln>
+            <a:noFill/>
+          </a:ln>
+        </p:spPr>
+      </p:pic>
+    </p:spTree>
+  </p:cSld>
+  <p:timing>
+    <p:tnLst>
+      <p:par>
+        <p:cTn id="7" dur="indefinite" restart="never" nodeType="tmRoot">
+          <p:childTnLst>
+            <p:seq>
+              <p:cTn id="8" nodeType="mainSeq"/>
+              <p:prevCondLst>
+                <p:cond delay="0" evt="onPrev">
+                  <p:tgtEl>
+                    <p:sldTgt/>
+                  </p:tgtEl>
+                </p:cond>
+              </p:prevCondLst>
+              <p:nextCondLst>
+                <p:cond delay="0" evt="onNext">
+                  <p:tgtEl>
+                    <p:sldTgt/>
+                  </p:tgtEl>
+                </p:cond>
+              </p:nextCondLst>
+            </p:seq>
+          </p:childTnLst>
+        </p:cTn>
+      </p:par>
+    </p:tnLst>
+  </p:timing>
+</p:sld>
+</file>
+
+<file path=ppt/slides/slide5.xml><?xml version="1.0" encoding="utf-8"?>
+<p:sld xmlns:a="http://schemas.openxmlformats.org/drawingml/2006/main" xmlns:p="http://schemas.openxmlformats.org/presentationml/2006/main" xmlns:r="http://schemas.openxmlformats.org/officeDocument/2006/relationships">
+  <p:cSld>
+    <p:spTree>
+      <p:nvGrpSpPr>
+        <p:cNvPr id="1" name=""/>
+        <p:cNvGrpSpPr/>
+        <p:nvPr/>
+      </p:nvGrpSpPr>
+      <p:grpSpPr>
+        <a:xfrm>
+          <a:off x="0" y="0"/>
+          <a:ext cx="0" cy="0"/>
+          <a:chOff x="0" y="0"/>
+          <a:chExt cx="0" cy="0"/>
+        </a:xfrm>
+      </p:grpSpPr>
+      <p:pic>
+        <p:nvPicPr>
+          <p:cNvPr id="45" name="" descr=""/>
+          <p:cNvPicPr/>
+          <p:nvPr/>
+        </p:nvPicPr>
+        <p:blipFill>
+          <a:blip r:embed="rId1"/>
+          <a:stretch/>
+        </p:blipFill>
+        <p:spPr>
+          <a:xfrm>
+            <a:off x="365760" y="457200"/>
+            <a:ext cx="6492240" cy="4869000"/>
+          </a:xfrm>
+          <a:prstGeom prst="rect">
+            <a:avLst/>
+          </a:prstGeom>
+          <a:ln>
+            <a:noFill/>
+          </a:ln>
+        </p:spPr>
+      </p:pic>
+      <p:pic>
+        <p:nvPicPr>
+          <p:cNvPr id="46" name="" descr=""/>
+          <p:cNvPicPr/>
+          <p:nvPr/>
+        </p:nvPicPr>
+        <p:blipFill>
+          <a:blip r:embed="rId2"/>
+          <a:stretch/>
+        </p:blipFill>
+        <p:spPr>
+          <a:xfrm>
+            <a:off x="2276640" y="5577840"/>
+            <a:ext cx="7684560" cy="1280160"/>
+          </a:xfrm>
+          <a:prstGeom prst="rect">
+            <a:avLst/>
+          </a:prstGeom>
+          <a:ln>
+            <a:noFill/>
+          </a:ln>
+        </p:spPr>
+      </p:pic>
+    </p:spTree>
+  </p:cSld>
+  <p:timing>
+    <p:tnLst>
+      <p:par>
+        <p:cTn id="9" dur="indefinite" restart="never" nodeType="tmRoot">
+          <p:childTnLst>
+            <p:seq>
+              <p:cTn id="10" nodeType="mainSeq"/>
+              <p:prevCondLst>
+                <p:cond delay="0" evt="onPrev">
+                  <p:tgtEl>
+                    <p:sldTgt/>
+                  </p:tgtEl>
+                </p:cond>
+              </p:prevCondLst>
+              <p:nextCondLst>
+                <p:cond delay="0" evt="onNext">
+                  <p:tgtEl>
+                    <p:sldTgt/>
+                  </p:tgtEl>
+                </p:cond>
+              </p:nextCondLst>
+            </p:seq>
+          </p:childTnLst>
+        </p:cTn>
+      </p:par>
+    </p:tnLst>
+  </p:timing>
 </p:sld>
 </file>
 

--- a/Slides/Keypoints.pptx
+++ b/Slides/Keypoints.pptx
@@ -10,6 +10,12 @@
     <p:sldId id="258" r:id="rId5"/>
     <p:sldId id="259" r:id="rId6"/>
     <p:sldId id="260" r:id="rId7"/>
+    <p:sldId id="261" r:id="rId8"/>
+    <p:sldId id="262" r:id="rId9"/>
+    <p:sldId id="263" r:id="rId10"/>
+    <p:sldId id="264" r:id="rId11"/>
+    <p:sldId id="265" r:id="rId12"/>
+    <p:sldId id="266" r:id="rId13"/>
   </p:sldIdLst>
   <p:sldSz cx="10080625" cy="7559675"/>
   <p:notesSz cx="7559675" cy="10691812"/>
@@ -1957,7 +1963,7 @@
           <a:bodyPr lIns="0" rIns="0" tIns="0" bIns="0"/>
           <a:p>
             <a:pPr algn="r"/>
-            <a:fld id="{636F0982-9035-4918-850B-CF8CB6E07493}" type="slidenum">
+            <a:fld id="{AB571069-A14C-4FEC-93E4-FFA2F5A55CFE}" type="slidenum">
               <a:rPr lang="en-US" sz="1400" spc="-1" strike="noStrike">
                 <a:solidFill>
                   <a:srgbClr val="000000"/>
@@ -2292,6 +2298,173 @@
           <p:childTnLst>
             <p:seq>
               <p:cTn id="2" nodeType="mainSeq"/>
+              <p:prevCondLst>
+                <p:cond delay="0" evt="onPrev">
+                  <p:tgtEl>
+                    <p:sldTgt/>
+                  </p:tgtEl>
+                </p:cond>
+              </p:prevCondLst>
+              <p:nextCondLst>
+                <p:cond delay="0" evt="onNext">
+                  <p:tgtEl>
+                    <p:sldTgt/>
+                  </p:tgtEl>
+                </p:cond>
+              </p:nextCondLst>
+            </p:seq>
+          </p:childTnLst>
+        </p:cTn>
+      </p:par>
+    </p:tnLst>
+  </p:timing>
+</p:sld>
+</file>
+
+<file path=ppt/slides/slide10.xml><?xml version="1.0" encoding="utf-8"?>
+<p:sld xmlns:a="http://schemas.openxmlformats.org/drawingml/2006/main" xmlns:p="http://schemas.openxmlformats.org/presentationml/2006/main" xmlns:r="http://schemas.openxmlformats.org/officeDocument/2006/relationships">
+  <p:cSld>
+    <p:spTree>
+      <p:nvGrpSpPr>
+        <p:cNvPr id="1" name=""/>
+        <p:cNvGrpSpPr/>
+        <p:nvPr/>
+      </p:nvGrpSpPr>
+      <p:grpSpPr>
+        <a:xfrm>
+          <a:off x="0" y="0"/>
+          <a:ext cx="0" cy="0"/>
+          <a:chOff x="0" y="0"/>
+          <a:chExt cx="0" cy="0"/>
+        </a:xfrm>
+      </p:grpSpPr>
+      <p:pic>
+        <p:nvPicPr>
+          <p:cNvPr id="53" name="" descr=""/>
+          <p:cNvPicPr/>
+          <p:nvPr/>
+        </p:nvPicPr>
+        <p:blipFill>
+          <a:blip r:embed="rId1"/>
+          <a:stretch/>
+        </p:blipFill>
+        <p:spPr>
+          <a:xfrm>
+            <a:off x="370800" y="1482840"/>
+            <a:ext cx="9413280" cy="4643640"/>
+          </a:xfrm>
+          <a:prstGeom prst="rect">
+            <a:avLst/>
+          </a:prstGeom>
+          <a:ln>
+            <a:noFill/>
+          </a:ln>
+        </p:spPr>
+      </p:pic>
+    </p:spTree>
+  </p:cSld>
+  <p:timing>
+    <p:tnLst>
+      <p:par>
+        <p:cTn id="19" dur="indefinite" restart="never" nodeType="tmRoot">
+          <p:childTnLst>
+            <p:seq>
+              <p:cTn id="20" nodeType="mainSeq"/>
+              <p:prevCondLst>
+                <p:cond delay="0" evt="onPrev">
+                  <p:tgtEl>
+                    <p:sldTgt/>
+                  </p:tgtEl>
+                </p:cond>
+              </p:prevCondLst>
+              <p:nextCondLst>
+                <p:cond delay="0" evt="onNext">
+                  <p:tgtEl>
+                    <p:sldTgt/>
+                  </p:tgtEl>
+                </p:cond>
+              </p:nextCondLst>
+            </p:seq>
+          </p:childTnLst>
+        </p:cTn>
+      </p:par>
+    </p:tnLst>
+  </p:timing>
+</p:sld>
+</file>
+
+<file path=ppt/slides/slide11.xml><?xml version="1.0" encoding="utf-8"?>
+<p:sld xmlns:a="http://schemas.openxmlformats.org/drawingml/2006/main" xmlns:p="http://schemas.openxmlformats.org/presentationml/2006/main" xmlns:r="http://schemas.openxmlformats.org/officeDocument/2006/relationships">
+  <p:cSld>
+    <p:spTree>
+      <p:nvGrpSpPr>
+        <p:cNvPr id="1" name=""/>
+        <p:cNvGrpSpPr/>
+        <p:nvPr/>
+      </p:nvGrpSpPr>
+      <p:grpSpPr>
+        <a:xfrm>
+          <a:off x="0" y="0"/>
+          <a:ext cx="0" cy="0"/>
+          <a:chOff x="0" y="0"/>
+          <a:chExt cx="0" cy="0"/>
+        </a:xfrm>
+      </p:grpSpPr>
+      <p:pic>
+        <p:nvPicPr>
+          <p:cNvPr id="54" name="" descr=""/>
+          <p:cNvPicPr/>
+          <p:nvPr/>
+        </p:nvPicPr>
+        <p:blipFill>
+          <a:blip r:embed="rId1"/>
+          <a:stretch/>
+        </p:blipFill>
+        <p:spPr>
+          <a:xfrm>
+            <a:off x="279360" y="312480"/>
+            <a:ext cx="9462240" cy="5529960"/>
+          </a:xfrm>
+          <a:prstGeom prst="rect">
+            <a:avLst/>
+          </a:prstGeom>
+          <a:ln>
+            <a:noFill/>
+          </a:ln>
+        </p:spPr>
+      </p:pic>
+      <p:pic>
+        <p:nvPicPr>
+          <p:cNvPr id="55" name="" descr=""/>
+          <p:cNvPicPr/>
+          <p:nvPr/>
+        </p:nvPicPr>
+        <p:blipFill>
+          <a:blip r:embed="rId2"/>
+          <a:stretch/>
+        </p:blipFill>
+        <p:spPr>
+          <a:xfrm>
+            <a:off x="274320" y="5842440"/>
+            <a:ext cx="9471240" cy="1472760"/>
+          </a:xfrm>
+          <a:prstGeom prst="rect">
+            <a:avLst/>
+          </a:prstGeom>
+          <a:ln>
+            <a:noFill/>
+          </a:ln>
+        </p:spPr>
+      </p:pic>
+    </p:spTree>
+  </p:cSld>
+  <p:timing>
+    <p:tnLst>
+      <p:par>
+        <p:cTn id="21" dur="indefinite" restart="never" nodeType="tmRoot">
+          <p:childTnLst>
+            <p:seq>
+              <p:cTn id="22" nodeType="mainSeq"/>
               <p:prevCondLst>
                 <p:cond delay="0" evt="onPrev">
                   <p:tgtEl>
@@ -2344,7 +2517,7 @@
         </p:blipFill>
         <p:spPr>
           <a:xfrm>
-            <a:off x="365760" y="1463040"/>
+            <a:off x="365760" y="1280160"/>
             <a:ext cx="9372240" cy="4480560"/>
           </a:xfrm>
           <a:prstGeom prst="rect">
@@ -2417,7 +2590,7 @@
         <p:spPr>
           <a:xfrm>
             <a:off x="415800" y="1280160"/>
-            <a:ext cx="9368280" cy="4595760"/>
+            <a:ext cx="9319680" cy="4572000"/>
           </a:xfrm>
           <a:prstGeom prst="rect">
             <a:avLst/>
@@ -2511,7 +2684,7 @@
         </p:blipFill>
         <p:spPr>
           <a:xfrm>
-            <a:off x="2260800" y="5711400"/>
+            <a:off x="2260800" y="5528520"/>
             <a:ext cx="7662960" cy="1329480"/>
           </a:xfrm>
           <a:prstGeom prst="rect">
@@ -2583,7 +2756,7 @@
         </p:blipFill>
         <p:spPr>
           <a:xfrm>
-            <a:off x="365760" y="457200"/>
+            <a:off x="457200" y="548640"/>
             <a:ext cx="6492240" cy="4869000"/>
           </a:xfrm>
           <a:prstGeom prst="rect">
@@ -2626,6 +2799,542 @@
           <p:childTnLst>
             <p:seq>
               <p:cTn id="10" nodeType="mainSeq"/>
+              <p:prevCondLst>
+                <p:cond delay="0" evt="onPrev">
+                  <p:tgtEl>
+                    <p:sldTgt/>
+                  </p:tgtEl>
+                </p:cond>
+              </p:prevCondLst>
+              <p:nextCondLst>
+                <p:cond delay="0" evt="onNext">
+                  <p:tgtEl>
+                    <p:sldTgt/>
+                  </p:tgtEl>
+                </p:cond>
+              </p:nextCondLst>
+            </p:seq>
+          </p:childTnLst>
+        </p:cTn>
+      </p:par>
+    </p:tnLst>
+  </p:timing>
+</p:sld>
+</file>
+
+<file path=ppt/slides/slide6.xml><?xml version="1.0" encoding="utf-8"?>
+<p:sld xmlns:a="http://schemas.openxmlformats.org/drawingml/2006/main" xmlns:p="http://schemas.openxmlformats.org/presentationml/2006/main" xmlns:r="http://schemas.openxmlformats.org/officeDocument/2006/relationships">
+  <p:cSld>
+    <p:spTree>
+      <p:nvGrpSpPr>
+        <p:cNvPr id="1" name=""/>
+        <p:cNvGrpSpPr/>
+        <p:nvPr/>
+      </p:nvGrpSpPr>
+      <p:grpSpPr>
+        <a:xfrm>
+          <a:off x="0" y="0"/>
+          <a:ext cx="0" cy="0"/>
+          <a:chOff x="0" y="0"/>
+          <a:chExt cx="0" cy="0"/>
+        </a:xfrm>
+      </p:grpSpPr>
+      <p:sp>
+        <p:nvSpPr>
+          <p:cNvPr id="47" name="TextShape 1"/>
+          <p:cNvSpPr txBox="1"/>
+          <p:nvPr/>
+        </p:nvSpPr>
+        <p:spPr>
+          <a:xfrm>
+            <a:off x="504000" y="301320"/>
+            <a:ext cx="9071640" cy="1262160"/>
+          </a:xfrm>
+          <a:prstGeom prst="rect">
+            <a:avLst/>
+          </a:prstGeom>
+          <a:noFill/>
+          <a:ln>
+            <a:noFill/>
+          </a:ln>
+        </p:spPr>
+        <p:txBody>
+          <a:bodyPr lIns="0" rIns="0" tIns="0" bIns="0" anchor="ctr"/>
+          <a:p>
+            <a:pPr algn="ctr"/>
+            <a:endParaRPr lang="en-US" sz="4400" spc="-1" strike="noStrike">
+              <a:solidFill>
+                <a:srgbClr val="000000"/>
+              </a:solidFill>
+              <a:uFill>
+                <a:solidFill>
+                  <a:srgbClr val="ffffff"/>
+                </a:solidFill>
+              </a:uFill>
+              <a:latin typeface="Arial"/>
+            </a:endParaRPr>
+          </a:p>
+        </p:txBody>
+      </p:sp>
+      <p:sp>
+        <p:nvSpPr>
+          <p:cNvPr id="48" name="TextShape 2"/>
+          <p:cNvSpPr txBox="1"/>
+          <p:nvPr/>
+        </p:nvSpPr>
+        <p:spPr>
+          <a:xfrm>
+            <a:off x="504000" y="1769040"/>
+            <a:ext cx="9071640" cy="4384440"/>
+          </a:xfrm>
+          <a:prstGeom prst="rect">
+            <a:avLst/>
+          </a:prstGeom>
+          <a:noFill/>
+          <a:ln>
+            <a:noFill/>
+          </a:ln>
+        </p:spPr>
+        <p:txBody>
+          <a:bodyPr lIns="0" rIns="0" tIns="0" bIns="0"/>
+          <a:p>
+            <a:endParaRPr lang="en-US" sz="3200" spc="-1" strike="noStrike">
+              <a:solidFill>
+                <a:srgbClr val="000000"/>
+              </a:solidFill>
+              <a:uFill>
+                <a:solidFill>
+                  <a:srgbClr val="ffffff"/>
+                </a:solidFill>
+              </a:uFill>
+              <a:latin typeface="Arial"/>
+            </a:endParaRPr>
+          </a:p>
+        </p:txBody>
+      </p:sp>
+    </p:spTree>
+  </p:cSld>
+  <p:timing>
+    <p:tnLst>
+      <p:par>
+        <p:cTn id="11" dur="indefinite" restart="never" nodeType="tmRoot">
+          <p:childTnLst>
+            <p:seq>
+              <p:cTn id="12" nodeType="mainSeq"/>
+              <p:prevCondLst>
+                <p:cond delay="0" evt="onPrev">
+                  <p:tgtEl>
+                    <p:sldTgt/>
+                  </p:tgtEl>
+                </p:cond>
+              </p:prevCondLst>
+              <p:nextCondLst>
+                <p:cond delay="0" evt="onNext">
+                  <p:tgtEl>
+                    <p:sldTgt/>
+                  </p:tgtEl>
+                </p:cond>
+              </p:nextCondLst>
+            </p:seq>
+          </p:childTnLst>
+        </p:cTn>
+      </p:par>
+    </p:tnLst>
+  </p:timing>
+</p:sld>
+</file>
+
+<file path=ppt/slides/slide7.xml><?xml version="1.0" encoding="utf-8"?>
+<p:sld xmlns:a="http://schemas.openxmlformats.org/drawingml/2006/main" xmlns:p="http://schemas.openxmlformats.org/presentationml/2006/main" xmlns:r="http://schemas.openxmlformats.org/officeDocument/2006/relationships">
+  <p:cSld>
+    <p:spTree>
+      <p:nvGrpSpPr>
+        <p:cNvPr id="1" name=""/>
+        <p:cNvGrpSpPr/>
+        <p:nvPr/>
+      </p:nvGrpSpPr>
+      <p:grpSpPr>
+        <a:xfrm>
+          <a:off x="0" y="0"/>
+          <a:ext cx="0" cy="0"/>
+          <a:chOff x="0" y="0"/>
+          <a:chExt cx="0" cy="0"/>
+        </a:xfrm>
+      </p:grpSpPr>
+      <p:sp>
+        <p:nvSpPr>
+          <p:cNvPr id="49" name="TextShape 1"/>
+          <p:cNvSpPr txBox="1"/>
+          <p:nvPr/>
+        </p:nvSpPr>
+        <p:spPr>
+          <a:xfrm>
+            <a:off x="504000" y="301320"/>
+            <a:ext cx="9071640" cy="1262160"/>
+          </a:xfrm>
+          <a:prstGeom prst="rect">
+            <a:avLst/>
+          </a:prstGeom>
+          <a:noFill/>
+          <a:ln>
+            <a:noFill/>
+          </a:ln>
+        </p:spPr>
+        <p:txBody>
+          <a:bodyPr lIns="0" rIns="0" tIns="0" bIns="0" anchor="ctr"/>
+          <a:p>
+            <a:pPr algn="ctr"/>
+            <a:r>
+              <a:rPr lang="en-US" sz="4400" spc="-1" strike="noStrike">
+                <a:solidFill>
+                  <a:srgbClr val="000000"/>
+                </a:solidFill>
+                <a:uFill>
+                  <a:solidFill>
+                    <a:srgbClr val="ffffff"/>
+                  </a:solidFill>
+                </a:uFill>
+                <a:latin typeface="Times New Roman"/>
+              </a:rPr>
+              <a:t>	</a:t>
+            </a:r>
+            <a:r>
+              <a:rPr lang="en-US" sz="4400" spc="-1" strike="noStrike">
+                <a:solidFill>
+                  <a:srgbClr val="666666"/>
+                </a:solidFill>
+                <a:uFill>
+                  <a:solidFill>
+                    <a:srgbClr val="ffffff"/>
+                  </a:solidFill>
+                </a:uFill>
+                <a:latin typeface="Times New Roman"/>
+              </a:rPr>
+              <a:t>Solitaire Heuristic Function</a:t>
+            </a:r>
+            <a:endParaRPr lang="en-US" sz="4400" spc="-1" strike="noStrike">
+              <a:solidFill>
+                <a:srgbClr val="000000"/>
+              </a:solidFill>
+              <a:uFill>
+                <a:solidFill>
+                  <a:srgbClr val="ffffff"/>
+                </a:solidFill>
+              </a:uFill>
+              <a:latin typeface="Times New Roman"/>
+            </a:endParaRPr>
+          </a:p>
+        </p:txBody>
+      </p:sp>
+      <p:sp>
+        <p:nvSpPr>
+          <p:cNvPr id="50" name="TextShape 2"/>
+          <p:cNvSpPr txBox="1"/>
+          <p:nvPr/>
+        </p:nvSpPr>
+        <p:spPr>
+          <a:xfrm>
+            <a:off x="504000" y="1769040"/>
+            <a:ext cx="9071640" cy="4384440"/>
+          </a:xfrm>
+          <a:prstGeom prst="rect">
+            <a:avLst/>
+          </a:prstGeom>
+          <a:noFill/>
+          <a:ln>
+            <a:noFill/>
+          </a:ln>
+        </p:spPr>
+        <p:txBody>
+          <a:bodyPr lIns="0" rIns="0" tIns="0" bIns="0"/>
+          <a:p>
+            <a:r>
+              <a:rPr lang="en-US" sz="3200" spc="-1" strike="noStrike">
+                <a:solidFill>
+                  <a:srgbClr val="666666"/>
+                </a:solidFill>
+                <a:uFill>
+                  <a:solidFill>
+                    <a:srgbClr val="ffffff"/>
+                  </a:solidFill>
+                </a:uFill>
+                <a:latin typeface="Times New Roman"/>
+              </a:rPr>
+              <a:t>1. Solitaire Mancala: a non-solvable problem</a:t>
+            </a:r>
+            <a:endParaRPr lang="en-US" sz="3200" spc="-1" strike="noStrike">
+              <a:solidFill>
+                <a:srgbClr val="666666"/>
+              </a:solidFill>
+              <a:uFill>
+                <a:solidFill>
+                  <a:srgbClr val="ffffff"/>
+                </a:solidFill>
+              </a:uFill>
+              <a:latin typeface="Times New Roman"/>
+            </a:endParaRPr>
+          </a:p>
+          <a:p>
+            <a:endParaRPr lang="en-US" sz="3200" spc="-1" strike="noStrike">
+              <a:solidFill>
+                <a:srgbClr val="666666"/>
+              </a:solidFill>
+              <a:uFill>
+                <a:solidFill>
+                  <a:srgbClr val="ffffff"/>
+                </a:solidFill>
+              </a:uFill>
+              <a:latin typeface="Times New Roman"/>
+            </a:endParaRPr>
+          </a:p>
+          <a:p>
+            <a:r>
+              <a:rPr lang="en-US" sz="3200" spc="-1" strike="noStrike">
+                <a:solidFill>
+                  <a:srgbClr val="666666"/>
+                </a:solidFill>
+                <a:uFill>
+                  <a:solidFill>
+                    <a:srgbClr val="ffffff"/>
+                  </a:solidFill>
+                </a:uFill>
+                <a:latin typeface="Times New Roman"/>
+              </a:rPr>
+              <a:t>2. Fail to apply the most common approach</a:t>
+            </a:r>
+            <a:endParaRPr lang="en-US" sz="3200" spc="-1" strike="noStrike">
+              <a:solidFill>
+                <a:srgbClr val="666666"/>
+              </a:solidFill>
+              <a:uFill>
+                <a:solidFill>
+                  <a:srgbClr val="ffffff"/>
+                </a:solidFill>
+              </a:uFill>
+              <a:latin typeface="Times New Roman"/>
+            </a:endParaRPr>
+          </a:p>
+          <a:p>
+            <a:endParaRPr lang="en-US" sz="3200" spc="-1" strike="noStrike">
+              <a:solidFill>
+                <a:srgbClr val="666666"/>
+              </a:solidFill>
+              <a:uFill>
+                <a:solidFill>
+                  <a:srgbClr val="ffffff"/>
+                </a:solidFill>
+              </a:uFill>
+              <a:latin typeface="Times New Roman"/>
+            </a:endParaRPr>
+          </a:p>
+          <a:p>
+            <a:r>
+              <a:rPr lang="en-US" sz="3200" spc="-1" strike="noStrike">
+                <a:solidFill>
+                  <a:srgbClr val="666666"/>
+                </a:solidFill>
+                <a:uFill>
+                  <a:solidFill>
+                    <a:srgbClr val="ffffff"/>
+                  </a:solidFill>
+                </a:uFill>
+                <a:latin typeface="Times New Roman"/>
+              </a:rPr>
+              <a:t>3. A customized approach: Life Expectancy</a:t>
+            </a:r>
+            <a:endParaRPr lang="en-US" sz="3200" spc="-1" strike="noStrike">
+              <a:solidFill>
+                <a:srgbClr val="666666"/>
+              </a:solidFill>
+              <a:uFill>
+                <a:solidFill>
+                  <a:srgbClr val="ffffff"/>
+                </a:solidFill>
+              </a:uFill>
+              <a:latin typeface="Times New Roman"/>
+            </a:endParaRPr>
+          </a:p>
+          <a:p>
+            <a:endParaRPr lang="en-US" sz="3200" spc="-1" strike="noStrike">
+              <a:solidFill>
+                <a:srgbClr val="666666"/>
+              </a:solidFill>
+              <a:uFill>
+                <a:solidFill>
+                  <a:srgbClr val="ffffff"/>
+                </a:solidFill>
+              </a:uFill>
+              <a:latin typeface="Times New Roman"/>
+            </a:endParaRPr>
+          </a:p>
+          <a:p>
+            <a:endParaRPr lang="en-US" sz="3200" spc="-1" strike="noStrike">
+              <a:solidFill>
+                <a:srgbClr val="666666"/>
+              </a:solidFill>
+              <a:uFill>
+                <a:solidFill>
+                  <a:srgbClr val="ffffff"/>
+                </a:solidFill>
+              </a:uFill>
+              <a:latin typeface="Times New Roman"/>
+            </a:endParaRPr>
+          </a:p>
+        </p:txBody>
+      </p:sp>
+    </p:spTree>
+  </p:cSld>
+  <p:timing>
+    <p:tnLst>
+      <p:par>
+        <p:cTn id="13" dur="indefinite" restart="never" nodeType="tmRoot">
+          <p:childTnLst>
+            <p:seq>
+              <p:cTn id="14" nodeType="mainSeq"/>
+              <p:prevCondLst>
+                <p:cond delay="0" evt="onPrev">
+                  <p:tgtEl>
+                    <p:sldTgt/>
+                  </p:tgtEl>
+                </p:cond>
+              </p:prevCondLst>
+              <p:nextCondLst>
+                <p:cond delay="0" evt="onNext">
+                  <p:tgtEl>
+                    <p:sldTgt/>
+                  </p:tgtEl>
+                </p:cond>
+              </p:nextCondLst>
+            </p:seq>
+          </p:childTnLst>
+        </p:cTn>
+      </p:par>
+    </p:tnLst>
+  </p:timing>
+</p:sld>
+</file>
+
+<file path=ppt/slides/slide8.xml><?xml version="1.0" encoding="utf-8"?>
+<p:sld xmlns:a="http://schemas.openxmlformats.org/drawingml/2006/main" xmlns:p="http://schemas.openxmlformats.org/presentationml/2006/main" xmlns:r="http://schemas.openxmlformats.org/officeDocument/2006/relationships">
+  <p:cSld>
+    <p:spTree>
+      <p:nvGrpSpPr>
+        <p:cNvPr id="1" name=""/>
+        <p:cNvGrpSpPr/>
+        <p:nvPr/>
+      </p:nvGrpSpPr>
+      <p:grpSpPr>
+        <a:xfrm>
+          <a:off x="0" y="0"/>
+          <a:ext cx="0" cy="0"/>
+          <a:chOff x="0" y="0"/>
+          <a:chExt cx="0" cy="0"/>
+        </a:xfrm>
+      </p:grpSpPr>
+      <p:pic>
+        <p:nvPicPr>
+          <p:cNvPr id="51" name="" descr=""/>
+          <p:cNvPicPr/>
+          <p:nvPr/>
+        </p:nvPicPr>
+        <p:blipFill>
+          <a:blip r:embed="rId1"/>
+          <a:stretch/>
+        </p:blipFill>
+        <p:spPr>
+          <a:xfrm>
+            <a:off x="320760" y="1737360"/>
+            <a:ext cx="9463320" cy="3474720"/>
+          </a:xfrm>
+          <a:prstGeom prst="rect">
+            <a:avLst/>
+          </a:prstGeom>
+          <a:ln>
+            <a:noFill/>
+          </a:ln>
+        </p:spPr>
+      </p:pic>
+    </p:spTree>
+  </p:cSld>
+  <p:timing>
+    <p:tnLst>
+      <p:par>
+        <p:cTn id="15" dur="indefinite" restart="never" nodeType="tmRoot">
+          <p:childTnLst>
+            <p:seq>
+              <p:cTn id="16" nodeType="mainSeq"/>
+              <p:prevCondLst>
+                <p:cond delay="0" evt="onPrev">
+                  <p:tgtEl>
+                    <p:sldTgt/>
+                  </p:tgtEl>
+                </p:cond>
+              </p:prevCondLst>
+              <p:nextCondLst>
+                <p:cond delay="0" evt="onNext">
+                  <p:tgtEl>
+                    <p:sldTgt/>
+                  </p:tgtEl>
+                </p:cond>
+              </p:nextCondLst>
+            </p:seq>
+          </p:childTnLst>
+        </p:cTn>
+      </p:par>
+    </p:tnLst>
+  </p:timing>
+</p:sld>
+</file>
+
+<file path=ppt/slides/slide9.xml><?xml version="1.0" encoding="utf-8"?>
+<p:sld xmlns:a="http://schemas.openxmlformats.org/drawingml/2006/main" xmlns:p="http://schemas.openxmlformats.org/presentationml/2006/main" xmlns:r="http://schemas.openxmlformats.org/officeDocument/2006/relationships">
+  <p:cSld>
+    <p:spTree>
+      <p:nvGrpSpPr>
+        <p:cNvPr id="1" name=""/>
+        <p:cNvGrpSpPr/>
+        <p:nvPr/>
+      </p:nvGrpSpPr>
+      <p:grpSpPr>
+        <a:xfrm>
+          <a:off x="0" y="0"/>
+          <a:ext cx="0" cy="0"/>
+          <a:chOff x="0" y="0"/>
+          <a:chExt cx="0" cy="0"/>
+        </a:xfrm>
+      </p:grpSpPr>
+      <p:pic>
+        <p:nvPicPr>
+          <p:cNvPr id="52" name="" descr=""/>
+          <p:cNvPicPr/>
+          <p:nvPr/>
+        </p:nvPicPr>
+        <p:blipFill>
+          <a:blip r:embed="rId1"/>
+          <a:stretch/>
+        </p:blipFill>
+        <p:spPr>
+          <a:xfrm>
+            <a:off x="274320" y="1511640"/>
+            <a:ext cx="9522720" cy="4157640"/>
+          </a:xfrm>
+          <a:prstGeom prst="rect">
+            <a:avLst/>
+          </a:prstGeom>
+          <a:ln>
+            <a:noFill/>
+          </a:ln>
+        </p:spPr>
+      </p:pic>
+    </p:spTree>
+  </p:cSld>
+  <p:timing>
+    <p:tnLst>
+      <p:par>
+        <p:cTn id="17" dur="indefinite" restart="never" nodeType="tmRoot">
+          <p:childTnLst>
+            <p:seq>
+              <p:cTn id="18" nodeType="mainSeq"/>
               <p:prevCondLst>
                 <p:cond delay="0" evt="onPrev">
                   <p:tgtEl>

--- a/Slides/Keypoints.pptx
+++ b/Slides/Keypoints.pptx
@@ -1963,7 +1963,7 @@
           <a:bodyPr lIns="0" rIns="0" tIns="0" bIns="0"/>
           <a:p>
             <a:pPr algn="r"/>
-            <a:fld id="{AB571069-A14C-4FEC-93E4-FFA2F5A55CFE}" type="slidenum">
+            <a:fld id="{659EE48C-B92D-4E01-90B6-D457840F38AC}" type="slidenum">
               <a:rPr lang="en-US" sz="1400" spc="-1" strike="noStrike">
                 <a:solidFill>
                   <a:srgbClr val="000000"/>
@@ -2363,33 +2363,6 @@
       </p:pic>
     </p:spTree>
   </p:cSld>
-  <p:timing>
-    <p:tnLst>
-      <p:par>
-        <p:cTn id="19" dur="indefinite" restart="never" nodeType="tmRoot">
-          <p:childTnLst>
-            <p:seq>
-              <p:cTn id="20" nodeType="mainSeq"/>
-              <p:prevCondLst>
-                <p:cond delay="0" evt="onPrev">
-                  <p:tgtEl>
-                    <p:sldTgt/>
-                  </p:tgtEl>
-                </p:cond>
-              </p:prevCondLst>
-              <p:nextCondLst>
-                <p:cond delay="0" evt="onNext">
-                  <p:tgtEl>
-                    <p:sldTgt/>
-                  </p:tgtEl>
-                </p:cond>
-              </p:nextCondLst>
-            </p:seq>
-          </p:childTnLst>
-        </p:cTn>
-      </p:par>
-    </p:tnLst>
-  </p:timing>
 </p:sld>
 </file>
 
@@ -2458,33 +2431,6 @@
       </p:pic>
     </p:spTree>
   </p:cSld>
-  <p:timing>
-    <p:tnLst>
-      <p:par>
-        <p:cTn id="21" dur="indefinite" restart="never" nodeType="tmRoot">
-          <p:childTnLst>
-            <p:seq>
-              <p:cTn id="22" nodeType="mainSeq"/>
-              <p:prevCondLst>
-                <p:cond delay="0" evt="onPrev">
-                  <p:tgtEl>
-                    <p:sldTgt/>
-                  </p:tgtEl>
-                </p:cond>
-              </p:prevCondLst>
-              <p:nextCondLst>
-                <p:cond delay="0" evt="onNext">
-                  <p:tgtEl>
-                    <p:sldTgt/>
-                  </p:tgtEl>
-                </p:cond>
-              </p:nextCondLst>
-            </p:seq>
-          </p:childTnLst>
-        </p:cTn>
-      </p:par>
-    </p:tnLst>
-  </p:timing>
 </p:sld>
 </file>
 
@@ -3021,7 +2967,7 @@
                   <a:srgbClr val="ffffff"/>
                 </a:solidFill>
               </a:uFill>
-              <a:latin typeface="Times New Roman"/>
+              <a:latin typeface="Arial"/>
             </a:endParaRPr>
           </a:p>
         </p:txBody>
@@ -3060,31 +3006,31 @@
                 </a:uFill>
                 <a:latin typeface="Times New Roman"/>
               </a:rPr>
-              <a:t>1. Solitaire Mancala: a non-solvable problem</a:t>
+              <a:t>1. Solitaire Mancala: an unsolvable problem</a:t>
             </a:r>
             <a:endParaRPr lang="en-US" sz="3200" spc="-1" strike="noStrike">
               <a:solidFill>
-                <a:srgbClr val="666666"/>
-              </a:solidFill>
-              <a:uFill>
-                <a:solidFill>
-                  <a:srgbClr val="ffffff"/>
-                </a:solidFill>
-              </a:uFill>
-              <a:latin typeface="Times New Roman"/>
-            </a:endParaRPr>
-          </a:p>
-          <a:p>
-            <a:endParaRPr lang="en-US" sz="3200" spc="-1" strike="noStrike">
-              <a:solidFill>
-                <a:srgbClr val="666666"/>
-              </a:solidFill>
-              <a:uFill>
-                <a:solidFill>
-                  <a:srgbClr val="ffffff"/>
-                </a:solidFill>
-              </a:uFill>
-              <a:latin typeface="Times New Roman"/>
+                <a:srgbClr val="000000"/>
+              </a:solidFill>
+              <a:uFill>
+                <a:solidFill>
+                  <a:srgbClr val="ffffff"/>
+                </a:solidFill>
+              </a:uFill>
+              <a:latin typeface="Arial"/>
+            </a:endParaRPr>
+          </a:p>
+          <a:p>
+            <a:endParaRPr lang="en-US" sz="3200" spc="-1" strike="noStrike">
+              <a:solidFill>
+                <a:srgbClr val="000000"/>
+              </a:solidFill>
+              <a:uFill>
+                <a:solidFill>
+                  <a:srgbClr val="ffffff"/>
+                </a:solidFill>
+              </a:uFill>
+              <a:latin typeface="Arial"/>
             </a:endParaRPr>
           </a:p>
           <a:p>
@@ -3104,27 +3050,27 @@
             </a:r>
             <a:endParaRPr lang="en-US" sz="3200" spc="-1" strike="noStrike">
               <a:solidFill>
-                <a:srgbClr val="666666"/>
-              </a:solidFill>
-              <a:uFill>
-                <a:solidFill>
-                  <a:srgbClr val="ffffff"/>
-                </a:solidFill>
-              </a:uFill>
-              <a:latin typeface="Times New Roman"/>
-            </a:endParaRPr>
-          </a:p>
-          <a:p>
-            <a:endParaRPr lang="en-US" sz="3200" spc="-1" strike="noStrike">
-              <a:solidFill>
-                <a:srgbClr val="666666"/>
-              </a:solidFill>
-              <a:uFill>
-                <a:solidFill>
-                  <a:srgbClr val="ffffff"/>
-                </a:solidFill>
-              </a:uFill>
-              <a:latin typeface="Times New Roman"/>
+                <a:srgbClr val="000000"/>
+              </a:solidFill>
+              <a:uFill>
+                <a:solidFill>
+                  <a:srgbClr val="ffffff"/>
+                </a:solidFill>
+              </a:uFill>
+              <a:latin typeface="Arial"/>
+            </a:endParaRPr>
+          </a:p>
+          <a:p>
+            <a:endParaRPr lang="en-US" sz="3200" spc="-1" strike="noStrike">
+              <a:solidFill>
+                <a:srgbClr val="000000"/>
+              </a:solidFill>
+              <a:uFill>
+                <a:solidFill>
+                  <a:srgbClr val="ffffff"/>
+                </a:solidFill>
+              </a:uFill>
+              <a:latin typeface="Arial"/>
             </a:endParaRPr>
           </a:p>
           <a:p>
@@ -3144,40 +3090,40 @@
             </a:r>
             <a:endParaRPr lang="en-US" sz="3200" spc="-1" strike="noStrike">
               <a:solidFill>
-                <a:srgbClr val="666666"/>
-              </a:solidFill>
-              <a:uFill>
-                <a:solidFill>
-                  <a:srgbClr val="ffffff"/>
-                </a:solidFill>
-              </a:uFill>
-              <a:latin typeface="Times New Roman"/>
-            </a:endParaRPr>
-          </a:p>
-          <a:p>
-            <a:endParaRPr lang="en-US" sz="3200" spc="-1" strike="noStrike">
-              <a:solidFill>
-                <a:srgbClr val="666666"/>
-              </a:solidFill>
-              <a:uFill>
-                <a:solidFill>
-                  <a:srgbClr val="ffffff"/>
-                </a:solidFill>
-              </a:uFill>
-              <a:latin typeface="Times New Roman"/>
-            </a:endParaRPr>
-          </a:p>
-          <a:p>
-            <a:endParaRPr lang="en-US" sz="3200" spc="-1" strike="noStrike">
-              <a:solidFill>
-                <a:srgbClr val="666666"/>
-              </a:solidFill>
-              <a:uFill>
-                <a:solidFill>
-                  <a:srgbClr val="ffffff"/>
-                </a:solidFill>
-              </a:uFill>
-              <a:latin typeface="Times New Roman"/>
+                <a:srgbClr val="000000"/>
+              </a:solidFill>
+              <a:uFill>
+                <a:solidFill>
+                  <a:srgbClr val="ffffff"/>
+                </a:solidFill>
+              </a:uFill>
+              <a:latin typeface="Arial"/>
+            </a:endParaRPr>
+          </a:p>
+          <a:p>
+            <a:endParaRPr lang="en-US" sz="3200" spc="-1" strike="noStrike">
+              <a:solidFill>
+                <a:srgbClr val="000000"/>
+              </a:solidFill>
+              <a:uFill>
+                <a:solidFill>
+                  <a:srgbClr val="ffffff"/>
+                </a:solidFill>
+              </a:uFill>
+              <a:latin typeface="Arial"/>
+            </a:endParaRPr>
+          </a:p>
+          <a:p>
+            <a:endParaRPr lang="en-US" sz="3200" spc="-1" strike="noStrike">
+              <a:solidFill>
+                <a:srgbClr val="000000"/>
+              </a:solidFill>
+              <a:uFill>
+                <a:solidFill>
+                  <a:srgbClr val="ffffff"/>
+                </a:solidFill>
+              </a:uFill>
+              <a:latin typeface="Arial"/>
             </a:endParaRPr>
           </a:p>
         </p:txBody>
@@ -3256,33 +3202,6 @@
       </p:pic>
     </p:spTree>
   </p:cSld>
-  <p:timing>
-    <p:tnLst>
-      <p:par>
-        <p:cTn id="15" dur="indefinite" restart="never" nodeType="tmRoot">
-          <p:childTnLst>
-            <p:seq>
-              <p:cTn id="16" nodeType="mainSeq"/>
-              <p:prevCondLst>
-                <p:cond delay="0" evt="onPrev">
-                  <p:tgtEl>
-                    <p:sldTgt/>
-                  </p:tgtEl>
-                </p:cond>
-              </p:prevCondLst>
-              <p:nextCondLst>
-                <p:cond delay="0" evt="onNext">
-                  <p:tgtEl>
-                    <p:sldTgt/>
-                  </p:tgtEl>
-                </p:cond>
-              </p:nextCondLst>
-            </p:seq>
-          </p:childTnLst>
-        </p:cTn>
-      </p:par>
-    </p:tnLst>
-  </p:timing>
 </p:sld>
 </file>
 
@@ -3328,33 +3247,6 @@
       </p:pic>
     </p:spTree>
   </p:cSld>
-  <p:timing>
-    <p:tnLst>
-      <p:par>
-        <p:cTn id="17" dur="indefinite" restart="never" nodeType="tmRoot">
-          <p:childTnLst>
-            <p:seq>
-              <p:cTn id="18" nodeType="mainSeq"/>
-              <p:prevCondLst>
-                <p:cond delay="0" evt="onPrev">
-                  <p:tgtEl>
-                    <p:sldTgt/>
-                  </p:tgtEl>
-                </p:cond>
-              </p:prevCondLst>
-              <p:nextCondLst>
-                <p:cond delay="0" evt="onNext">
-                  <p:tgtEl>
-                    <p:sldTgt/>
-                  </p:tgtEl>
-                </p:cond>
-              </p:nextCondLst>
-            </p:seq>
-          </p:childTnLst>
-        </p:cTn>
-      </p:par>
-    </p:tnLst>
-  </p:timing>
 </p:sld>
 </file>
 

--- a/Slides/Keypoints.pptx
+++ b/Slides/Keypoints.pptx
@@ -16,6 +16,14 @@
     <p:sldId id="264" r:id="rId11"/>
     <p:sldId id="265" r:id="rId12"/>
     <p:sldId id="266" r:id="rId13"/>
+    <p:sldId id="267" r:id="rId14"/>
+    <p:sldId id="268" r:id="rId15"/>
+    <p:sldId id="269" r:id="rId16"/>
+    <p:sldId id="270" r:id="rId17"/>
+    <p:sldId id="271" r:id="rId18"/>
+    <p:sldId id="272" r:id="rId19"/>
+    <p:sldId id="273" r:id="rId20"/>
+    <p:sldId id="274" r:id="rId21"/>
   </p:sldIdLst>
   <p:sldSz cx="10080625" cy="7559675"/>
   <p:notesSz cx="7559675" cy="10691812"/>
@@ -1963,7 +1971,7 @@
           <a:bodyPr lIns="0" rIns="0" tIns="0" bIns="0"/>
           <a:p>
             <a:pPr algn="r"/>
-            <a:fld id="{659EE48C-B92D-4E01-90B6-D457840F38AC}" type="slidenum">
+            <a:fld id="{15850EA5-5B3D-4521-8446-289A06F48262}" type="slidenum">
               <a:rPr lang="en-US" sz="1400" spc="-1" strike="noStrike">
                 <a:solidFill>
                   <a:srgbClr val="000000"/>
@@ -2338,31 +2346,108 @@
           <a:chExt cx="0" cy="0"/>
         </a:xfrm>
       </p:grpSpPr>
-      <p:pic>
-        <p:nvPicPr>
-          <p:cNvPr id="53" name="" descr=""/>
-          <p:cNvPicPr/>
+      <p:sp>
+        <p:nvSpPr>
+          <p:cNvPr id="55" name="TextShape 1"/>
+          <p:cNvSpPr txBox="1"/>
           <p:nvPr/>
-        </p:nvPicPr>
-        <p:blipFill>
-          <a:blip r:embed="rId1"/>
-          <a:stretch/>
-        </p:blipFill>
-        <p:spPr>
-          <a:xfrm>
-            <a:off x="370800" y="1482840"/>
-            <a:ext cx="9413280" cy="4643640"/>
-          </a:xfrm>
-          <a:prstGeom prst="rect">
-            <a:avLst/>
-          </a:prstGeom>
+        </p:nvSpPr>
+        <p:spPr>
+          <a:xfrm>
+            <a:off x="504000" y="301320"/>
+            <a:ext cx="9071640" cy="1262160"/>
+          </a:xfrm>
+          <a:prstGeom prst="rect">
+            <a:avLst/>
+          </a:prstGeom>
+          <a:noFill/>
           <a:ln>
             <a:noFill/>
           </a:ln>
         </p:spPr>
-      </p:pic>
+        <p:txBody>
+          <a:bodyPr lIns="0" rIns="0" tIns="0" bIns="0" anchor="ctr"/>
+          <a:p>
+            <a:pPr algn="ctr"/>
+            <a:endParaRPr lang="en-US" sz="4400" spc="-1" strike="noStrike">
+              <a:solidFill>
+                <a:srgbClr val="000000"/>
+              </a:solidFill>
+              <a:uFill>
+                <a:solidFill>
+                  <a:srgbClr val="ffffff"/>
+                </a:solidFill>
+              </a:uFill>
+              <a:latin typeface="Arial"/>
+            </a:endParaRPr>
+          </a:p>
+        </p:txBody>
+      </p:sp>
+      <p:sp>
+        <p:nvSpPr>
+          <p:cNvPr id="56" name="TextShape 2"/>
+          <p:cNvSpPr txBox="1"/>
+          <p:nvPr/>
+        </p:nvSpPr>
+        <p:spPr>
+          <a:xfrm>
+            <a:off x="504000" y="1769040"/>
+            <a:ext cx="9071640" cy="4384440"/>
+          </a:xfrm>
+          <a:prstGeom prst="rect">
+            <a:avLst/>
+          </a:prstGeom>
+          <a:noFill/>
+          <a:ln>
+            <a:noFill/>
+          </a:ln>
+        </p:spPr>
+        <p:txBody>
+          <a:bodyPr lIns="0" rIns="0" tIns="0" bIns="0"/>
+          <a:p>
+            <a:endParaRPr lang="en-US" sz="3200" spc="-1" strike="noStrike">
+              <a:solidFill>
+                <a:srgbClr val="000000"/>
+              </a:solidFill>
+              <a:uFill>
+                <a:solidFill>
+                  <a:srgbClr val="ffffff"/>
+                </a:solidFill>
+              </a:uFill>
+              <a:latin typeface="Arial"/>
+            </a:endParaRPr>
+          </a:p>
+        </p:txBody>
+      </p:sp>
     </p:spTree>
   </p:cSld>
+  <p:timing>
+    <p:tnLst>
+      <p:par>
+        <p:cTn id="19" dur="indefinite" restart="never" nodeType="tmRoot">
+          <p:childTnLst>
+            <p:seq>
+              <p:cTn id="20" nodeType="mainSeq"/>
+              <p:prevCondLst>
+                <p:cond delay="0" evt="onPrev">
+                  <p:tgtEl>
+                    <p:sldTgt/>
+                  </p:tgtEl>
+                </p:cond>
+              </p:prevCondLst>
+              <p:nextCondLst>
+                <p:cond delay="0" evt="onNext">
+                  <p:tgtEl>
+                    <p:sldTgt/>
+                  </p:tgtEl>
+                </p:cond>
+              </p:nextCondLst>
+            </p:seq>
+          </p:childTnLst>
+        </p:cTn>
+      </p:par>
+    </p:tnLst>
+  </p:timing>
 </p:sld>
 </file>
 
@@ -2383,9 +2468,279 @@
           <a:chExt cx="0" cy="0"/>
         </a:xfrm>
       </p:grpSpPr>
+      <p:sp>
+        <p:nvSpPr>
+          <p:cNvPr id="57" name="TextShape 1"/>
+          <p:cNvSpPr txBox="1"/>
+          <p:nvPr/>
+        </p:nvSpPr>
+        <p:spPr>
+          <a:xfrm>
+            <a:off x="504000" y="301320"/>
+            <a:ext cx="9071640" cy="1262160"/>
+          </a:xfrm>
+          <a:prstGeom prst="rect">
+            <a:avLst/>
+          </a:prstGeom>
+          <a:noFill/>
+          <a:ln>
+            <a:noFill/>
+          </a:ln>
+        </p:spPr>
+        <p:txBody>
+          <a:bodyPr lIns="0" rIns="0" tIns="0" bIns="0" anchor="ctr"/>
+          <a:p>
+            <a:pPr algn="ctr"/>
+            <a:r>
+              <a:rPr lang="en-US" sz="4400" spc="-1" strike="noStrike">
+                <a:solidFill>
+                  <a:srgbClr val="000000"/>
+                </a:solidFill>
+                <a:uFill>
+                  <a:solidFill>
+                    <a:srgbClr val="ffffff"/>
+                  </a:solidFill>
+                </a:uFill>
+                <a:latin typeface="Times New Roman"/>
+              </a:rPr>
+              <a:t>	</a:t>
+            </a:r>
+            <a:r>
+              <a:rPr lang="en-US" sz="4400" spc="-1" strike="noStrike">
+                <a:solidFill>
+                  <a:srgbClr val="666666"/>
+                </a:solidFill>
+                <a:uFill>
+                  <a:solidFill>
+                    <a:srgbClr val="ffffff"/>
+                  </a:solidFill>
+                </a:uFill>
+                <a:latin typeface="Times New Roman"/>
+              </a:rPr>
+              <a:t>Solitaire Heuristic Function</a:t>
+            </a:r>
+            <a:endParaRPr lang="en-US" sz="4400" spc="-1" strike="noStrike">
+              <a:solidFill>
+                <a:srgbClr val="000000"/>
+              </a:solidFill>
+              <a:uFill>
+                <a:solidFill>
+                  <a:srgbClr val="ffffff"/>
+                </a:solidFill>
+              </a:uFill>
+              <a:latin typeface="Arial"/>
+            </a:endParaRPr>
+          </a:p>
+        </p:txBody>
+      </p:sp>
+      <p:sp>
+        <p:nvSpPr>
+          <p:cNvPr id="58" name="TextShape 2"/>
+          <p:cNvSpPr txBox="1"/>
+          <p:nvPr/>
+        </p:nvSpPr>
+        <p:spPr>
+          <a:xfrm>
+            <a:off x="504000" y="1769040"/>
+            <a:ext cx="9071640" cy="4384440"/>
+          </a:xfrm>
+          <a:prstGeom prst="rect">
+            <a:avLst/>
+          </a:prstGeom>
+          <a:noFill/>
+          <a:ln>
+            <a:noFill/>
+          </a:ln>
+        </p:spPr>
+        <p:txBody>
+          <a:bodyPr lIns="0" rIns="0" tIns="0" bIns="0"/>
+          <a:p>
+            <a:r>
+              <a:rPr lang="en-US" sz="3200" spc="-1" strike="noStrike">
+                <a:solidFill>
+                  <a:srgbClr val="666666"/>
+                </a:solidFill>
+                <a:uFill>
+                  <a:solidFill>
+                    <a:srgbClr val="ffffff"/>
+                  </a:solidFill>
+                </a:uFill>
+                <a:latin typeface="Times New Roman"/>
+              </a:rPr>
+              <a:t>1. Solitaire Mancala: an unsolvable problem</a:t>
+            </a:r>
+            <a:endParaRPr lang="en-US" sz="3200" spc="-1" strike="noStrike">
+              <a:solidFill>
+                <a:srgbClr val="000000"/>
+              </a:solidFill>
+              <a:uFill>
+                <a:solidFill>
+                  <a:srgbClr val="ffffff"/>
+                </a:solidFill>
+              </a:uFill>
+              <a:latin typeface="Arial"/>
+            </a:endParaRPr>
+          </a:p>
+          <a:p>
+            <a:endParaRPr lang="en-US" sz="3200" spc="-1" strike="noStrike">
+              <a:solidFill>
+                <a:srgbClr val="000000"/>
+              </a:solidFill>
+              <a:uFill>
+                <a:solidFill>
+                  <a:srgbClr val="ffffff"/>
+                </a:solidFill>
+              </a:uFill>
+              <a:latin typeface="Arial"/>
+            </a:endParaRPr>
+          </a:p>
+          <a:p>
+            <a:r>
+              <a:rPr lang="en-US" sz="3200" spc="-1" strike="noStrike">
+                <a:solidFill>
+                  <a:srgbClr val="666666"/>
+                </a:solidFill>
+                <a:uFill>
+                  <a:solidFill>
+                    <a:srgbClr val="ffffff"/>
+                  </a:solidFill>
+                </a:uFill>
+                <a:latin typeface="Times New Roman"/>
+              </a:rPr>
+              <a:t>2. Fail to apply the most common approach</a:t>
+            </a:r>
+            <a:endParaRPr lang="en-US" sz="3200" spc="-1" strike="noStrike">
+              <a:solidFill>
+                <a:srgbClr val="000000"/>
+              </a:solidFill>
+              <a:uFill>
+                <a:solidFill>
+                  <a:srgbClr val="ffffff"/>
+                </a:solidFill>
+              </a:uFill>
+              <a:latin typeface="Arial"/>
+            </a:endParaRPr>
+          </a:p>
+          <a:p>
+            <a:endParaRPr lang="en-US" sz="3200" spc="-1" strike="noStrike">
+              <a:solidFill>
+                <a:srgbClr val="000000"/>
+              </a:solidFill>
+              <a:uFill>
+                <a:solidFill>
+                  <a:srgbClr val="ffffff"/>
+                </a:solidFill>
+              </a:uFill>
+              <a:latin typeface="Arial"/>
+            </a:endParaRPr>
+          </a:p>
+          <a:p>
+            <a:r>
+              <a:rPr lang="en-US" sz="3200" spc="-1" strike="noStrike">
+                <a:solidFill>
+                  <a:srgbClr val="666666"/>
+                </a:solidFill>
+                <a:uFill>
+                  <a:solidFill>
+                    <a:srgbClr val="ffffff"/>
+                  </a:solidFill>
+                </a:uFill>
+                <a:latin typeface="Times New Roman"/>
+              </a:rPr>
+              <a:t>3. A customized approach: Life Expectancy</a:t>
+            </a:r>
+            <a:endParaRPr lang="en-US" sz="3200" spc="-1" strike="noStrike">
+              <a:solidFill>
+                <a:srgbClr val="000000"/>
+              </a:solidFill>
+              <a:uFill>
+                <a:solidFill>
+                  <a:srgbClr val="ffffff"/>
+                </a:solidFill>
+              </a:uFill>
+              <a:latin typeface="Arial"/>
+            </a:endParaRPr>
+          </a:p>
+          <a:p>
+            <a:endParaRPr lang="en-US" sz="3200" spc="-1" strike="noStrike">
+              <a:solidFill>
+                <a:srgbClr val="000000"/>
+              </a:solidFill>
+              <a:uFill>
+                <a:solidFill>
+                  <a:srgbClr val="ffffff"/>
+                </a:solidFill>
+              </a:uFill>
+              <a:latin typeface="Arial"/>
+            </a:endParaRPr>
+          </a:p>
+          <a:p>
+            <a:endParaRPr lang="en-US" sz="3200" spc="-1" strike="noStrike">
+              <a:solidFill>
+                <a:srgbClr val="000000"/>
+              </a:solidFill>
+              <a:uFill>
+                <a:solidFill>
+                  <a:srgbClr val="ffffff"/>
+                </a:solidFill>
+              </a:uFill>
+              <a:latin typeface="Arial"/>
+            </a:endParaRPr>
+          </a:p>
+        </p:txBody>
+      </p:sp>
+    </p:spTree>
+  </p:cSld>
+  <p:timing>
+    <p:tnLst>
+      <p:par>
+        <p:cTn id="21" dur="indefinite" restart="never" nodeType="tmRoot">
+          <p:childTnLst>
+            <p:seq>
+              <p:cTn id="22" nodeType="mainSeq"/>
+              <p:prevCondLst>
+                <p:cond delay="0" evt="onPrev">
+                  <p:tgtEl>
+                    <p:sldTgt/>
+                  </p:tgtEl>
+                </p:cond>
+              </p:prevCondLst>
+              <p:nextCondLst>
+                <p:cond delay="0" evt="onNext">
+                  <p:tgtEl>
+                    <p:sldTgt/>
+                  </p:tgtEl>
+                </p:cond>
+              </p:nextCondLst>
+            </p:seq>
+          </p:childTnLst>
+        </p:cTn>
+      </p:par>
+    </p:tnLst>
+  </p:timing>
+</p:sld>
+</file>
+
+<file path=ppt/slides/slide12.xml><?xml version="1.0" encoding="utf-8"?>
+<p:sld xmlns:a="http://schemas.openxmlformats.org/drawingml/2006/main" xmlns:p="http://schemas.openxmlformats.org/presentationml/2006/main" xmlns:r="http://schemas.openxmlformats.org/officeDocument/2006/relationships">
+  <p:cSld>
+    <p:spTree>
+      <p:nvGrpSpPr>
+        <p:cNvPr id="1" name=""/>
+        <p:cNvGrpSpPr/>
+        <p:nvPr/>
+      </p:nvGrpSpPr>
+      <p:grpSpPr>
+        <a:xfrm>
+          <a:off x="0" y="0"/>
+          <a:ext cx="0" cy="0"/>
+          <a:chOff x="0" y="0"/>
+          <a:chExt cx="0" cy="0"/>
+        </a:xfrm>
+      </p:grpSpPr>
       <p:pic>
         <p:nvPicPr>
-          <p:cNvPr id="54" name="" descr=""/>
+          <p:cNvPr id="59" name="" descr=""/>
           <p:cNvPicPr/>
           <p:nvPr/>
         </p:nvPicPr>
@@ -2395,8 +2750,8 @@
         </p:blipFill>
         <p:spPr>
           <a:xfrm>
-            <a:off x="279360" y="312480"/>
-            <a:ext cx="9462240" cy="5529960"/>
+            <a:off x="320760" y="1737360"/>
+            <a:ext cx="9463320" cy="3474720"/>
           </a:xfrm>
           <a:prstGeom prst="rect">
             <a:avLst/>
@@ -2406,9 +2761,225 @@
           </a:ln>
         </p:spPr>
       </p:pic>
+    </p:spTree>
+  </p:cSld>
+  <p:timing>
+    <p:tnLst>
+      <p:par>
+        <p:cTn id="23" dur="indefinite" restart="never" nodeType="tmRoot">
+          <p:childTnLst>
+            <p:seq>
+              <p:cTn id="24" nodeType="mainSeq"/>
+              <p:prevCondLst>
+                <p:cond delay="0" evt="onPrev">
+                  <p:tgtEl>
+                    <p:sldTgt/>
+                  </p:tgtEl>
+                </p:cond>
+              </p:prevCondLst>
+              <p:nextCondLst>
+                <p:cond delay="0" evt="onNext">
+                  <p:tgtEl>
+                    <p:sldTgt/>
+                  </p:tgtEl>
+                </p:cond>
+              </p:nextCondLst>
+            </p:seq>
+          </p:childTnLst>
+        </p:cTn>
+      </p:par>
+    </p:tnLst>
+  </p:timing>
+</p:sld>
+</file>
+
+<file path=ppt/slides/slide13.xml><?xml version="1.0" encoding="utf-8"?>
+<p:sld xmlns:a="http://schemas.openxmlformats.org/drawingml/2006/main" xmlns:p="http://schemas.openxmlformats.org/presentationml/2006/main" xmlns:r="http://schemas.openxmlformats.org/officeDocument/2006/relationships">
+  <p:cSld>
+    <p:spTree>
+      <p:nvGrpSpPr>
+        <p:cNvPr id="1" name=""/>
+        <p:cNvGrpSpPr/>
+        <p:nvPr/>
+      </p:nvGrpSpPr>
+      <p:grpSpPr>
+        <a:xfrm>
+          <a:off x="0" y="0"/>
+          <a:ext cx="0" cy="0"/>
+          <a:chOff x="0" y="0"/>
+          <a:chExt cx="0" cy="0"/>
+        </a:xfrm>
+      </p:grpSpPr>
       <p:pic>
         <p:nvPicPr>
-          <p:cNvPr id="55" name="" descr=""/>
+          <p:cNvPr id="60" name="" descr=""/>
+          <p:cNvPicPr/>
+          <p:nvPr/>
+        </p:nvPicPr>
+        <p:blipFill>
+          <a:blip r:embed="rId1"/>
+          <a:stretch/>
+        </p:blipFill>
+        <p:spPr>
+          <a:xfrm>
+            <a:off x="274320" y="1511640"/>
+            <a:ext cx="9522720" cy="4157640"/>
+          </a:xfrm>
+          <a:prstGeom prst="rect">
+            <a:avLst/>
+          </a:prstGeom>
+          <a:ln>
+            <a:noFill/>
+          </a:ln>
+        </p:spPr>
+      </p:pic>
+    </p:spTree>
+  </p:cSld>
+  <p:timing>
+    <p:tnLst>
+      <p:par>
+        <p:cTn id="25" dur="indefinite" restart="never" nodeType="tmRoot">
+          <p:childTnLst>
+            <p:seq>
+              <p:cTn id="26" nodeType="mainSeq"/>
+              <p:prevCondLst>
+                <p:cond delay="0" evt="onPrev">
+                  <p:tgtEl>
+                    <p:sldTgt/>
+                  </p:tgtEl>
+                </p:cond>
+              </p:prevCondLst>
+              <p:nextCondLst>
+                <p:cond delay="0" evt="onNext">
+                  <p:tgtEl>
+                    <p:sldTgt/>
+                  </p:tgtEl>
+                </p:cond>
+              </p:nextCondLst>
+            </p:seq>
+          </p:childTnLst>
+        </p:cTn>
+      </p:par>
+    </p:tnLst>
+  </p:timing>
+</p:sld>
+</file>
+
+<file path=ppt/slides/slide14.xml><?xml version="1.0" encoding="utf-8"?>
+<p:sld xmlns:a="http://schemas.openxmlformats.org/drawingml/2006/main" xmlns:p="http://schemas.openxmlformats.org/presentationml/2006/main" xmlns:r="http://schemas.openxmlformats.org/officeDocument/2006/relationships">
+  <p:cSld>
+    <p:spTree>
+      <p:nvGrpSpPr>
+        <p:cNvPr id="1" name=""/>
+        <p:cNvGrpSpPr/>
+        <p:nvPr/>
+      </p:nvGrpSpPr>
+      <p:grpSpPr>
+        <a:xfrm>
+          <a:off x="0" y="0"/>
+          <a:ext cx="0" cy="0"/>
+          <a:chOff x="0" y="0"/>
+          <a:chExt cx="0" cy="0"/>
+        </a:xfrm>
+      </p:grpSpPr>
+      <p:pic>
+        <p:nvPicPr>
+          <p:cNvPr id="61" name="" descr=""/>
+          <p:cNvPicPr/>
+          <p:nvPr/>
+        </p:nvPicPr>
+        <p:blipFill>
+          <a:blip r:embed="rId1"/>
+          <a:stretch/>
+        </p:blipFill>
+        <p:spPr>
+          <a:xfrm>
+            <a:off x="370800" y="1482840"/>
+            <a:ext cx="9413280" cy="4643640"/>
+          </a:xfrm>
+          <a:prstGeom prst="rect">
+            <a:avLst/>
+          </a:prstGeom>
+          <a:ln>
+            <a:noFill/>
+          </a:ln>
+        </p:spPr>
+      </p:pic>
+    </p:spTree>
+  </p:cSld>
+  <p:timing>
+    <p:tnLst>
+      <p:par>
+        <p:cTn id="27" dur="indefinite" restart="never" nodeType="tmRoot">
+          <p:childTnLst>
+            <p:seq>
+              <p:cTn id="28" nodeType="mainSeq"/>
+              <p:prevCondLst>
+                <p:cond delay="0" evt="onPrev">
+                  <p:tgtEl>
+                    <p:sldTgt/>
+                  </p:tgtEl>
+                </p:cond>
+              </p:prevCondLst>
+              <p:nextCondLst>
+                <p:cond delay="0" evt="onNext">
+                  <p:tgtEl>
+                    <p:sldTgt/>
+                  </p:tgtEl>
+                </p:cond>
+              </p:nextCondLst>
+            </p:seq>
+          </p:childTnLst>
+        </p:cTn>
+      </p:par>
+    </p:tnLst>
+  </p:timing>
+</p:sld>
+</file>
+
+<file path=ppt/slides/slide15.xml><?xml version="1.0" encoding="utf-8"?>
+<p:sld xmlns:a="http://schemas.openxmlformats.org/drawingml/2006/main" xmlns:p="http://schemas.openxmlformats.org/presentationml/2006/main" xmlns:r="http://schemas.openxmlformats.org/officeDocument/2006/relationships">
+  <p:cSld>
+    <p:spTree>
+      <p:nvGrpSpPr>
+        <p:cNvPr id="1" name=""/>
+        <p:cNvGrpSpPr/>
+        <p:nvPr/>
+      </p:nvGrpSpPr>
+      <p:grpSpPr>
+        <a:xfrm>
+          <a:off x="0" y="0"/>
+          <a:ext cx="0" cy="0"/>
+          <a:chOff x="0" y="0"/>
+          <a:chExt cx="0" cy="0"/>
+        </a:xfrm>
+      </p:grpSpPr>
+      <p:pic>
+        <p:nvPicPr>
+          <p:cNvPr id="62" name="" descr=""/>
+          <p:cNvPicPr/>
+          <p:nvPr/>
+        </p:nvPicPr>
+        <p:blipFill>
+          <a:blip r:embed="rId1"/>
+          <a:stretch/>
+        </p:blipFill>
+        <p:spPr>
+          <a:xfrm>
+            <a:off x="279360" y="312480"/>
+            <a:ext cx="9462240" cy="5529960"/>
+          </a:xfrm>
+          <a:prstGeom prst="rect">
+            <a:avLst/>
+          </a:prstGeom>
+          <a:ln>
+            <a:noFill/>
+          </a:ln>
+        </p:spPr>
+      </p:pic>
+      <p:pic>
+        <p:nvPicPr>
+          <p:cNvPr id="63" name="" descr=""/>
           <p:cNvPicPr/>
           <p:nvPr/>
         </p:nvPicPr>
@@ -2431,6 +3002,565 @@
       </p:pic>
     </p:spTree>
   </p:cSld>
+  <p:timing>
+    <p:tnLst>
+      <p:par>
+        <p:cTn id="29" dur="indefinite" restart="never" nodeType="tmRoot">
+          <p:childTnLst>
+            <p:seq>
+              <p:cTn id="30" nodeType="mainSeq"/>
+              <p:prevCondLst>
+                <p:cond delay="0" evt="onPrev">
+                  <p:tgtEl>
+                    <p:sldTgt/>
+                  </p:tgtEl>
+                </p:cond>
+              </p:prevCondLst>
+              <p:nextCondLst>
+                <p:cond delay="0" evt="onNext">
+                  <p:tgtEl>
+                    <p:sldTgt/>
+                  </p:tgtEl>
+                </p:cond>
+              </p:nextCondLst>
+            </p:seq>
+          </p:childTnLst>
+        </p:cTn>
+      </p:par>
+    </p:tnLst>
+  </p:timing>
+</p:sld>
+</file>
+
+<file path=ppt/slides/slide16.xml><?xml version="1.0" encoding="utf-8"?>
+<p:sld xmlns:a="http://schemas.openxmlformats.org/drawingml/2006/main" xmlns:p="http://schemas.openxmlformats.org/presentationml/2006/main" xmlns:r="http://schemas.openxmlformats.org/officeDocument/2006/relationships">
+  <p:cSld>
+    <p:spTree>
+      <p:nvGrpSpPr>
+        <p:cNvPr id="1" name=""/>
+        <p:cNvGrpSpPr/>
+        <p:nvPr/>
+      </p:nvGrpSpPr>
+      <p:grpSpPr>
+        <a:xfrm>
+          <a:off x="0" y="0"/>
+          <a:ext cx="0" cy="0"/>
+          <a:chOff x="0" y="0"/>
+          <a:chExt cx="0" cy="0"/>
+        </a:xfrm>
+      </p:grpSpPr>
+      <p:sp>
+        <p:nvSpPr>
+          <p:cNvPr id="64" name="TextShape 1"/>
+          <p:cNvSpPr txBox="1"/>
+          <p:nvPr/>
+        </p:nvSpPr>
+        <p:spPr>
+          <a:xfrm>
+            <a:off x="504000" y="301320"/>
+            <a:ext cx="9071640" cy="1262160"/>
+          </a:xfrm>
+          <a:prstGeom prst="rect">
+            <a:avLst/>
+          </a:prstGeom>
+          <a:noFill/>
+          <a:ln>
+            <a:noFill/>
+          </a:ln>
+        </p:spPr>
+        <p:txBody>
+          <a:bodyPr lIns="0" rIns="0" tIns="0" bIns="0" anchor="ctr"/>
+          <a:p>
+            <a:pPr algn="ctr"/>
+            <a:endParaRPr lang="en-US" sz="4400" spc="-1" strike="noStrike">
+              <a:solidFill>
+                <a:srgbClr val="000000"/>
+              </a:solidFill>
+              <a:uFill>
+                <a:solidFill>
+                  <a:srgbClr val="ffffff"/>
+                </a:solidFill>
+              </a:uFill>
+              <a:latin typeface="Arial"/>
+            </a:endParaRPr>
+          </a:p>
+        </p:txBody>
+      </p:sp>
+      <p:sp>
+        <p:nvSpPr>
+          <p:cNvPr id="65" name="TextShape 2"/>
+          <p:cNvSpPr txBox="1"/>
+          <p:nvPr/>
+        </p:nvSpPr>
+        <p:spPr>
+          <a:xfrm>
+            <a:off x="504000" y="1769040"/>
+            <a:ext cx="9071640" cy="4384440"/>
+          </a:xfrm>
+          <a:prstGeom prst="rect">
+            <a:avLst/>
+          </a:prstGeom>
+          <a:noFill/>
+          <a:ln>
+            <a:noFill/>
+          </a:ln>
+        </p:spPr>
+        <p:txBody>
+          <a:bodyPr lIns="0" rIns="0" tIns="0" bIns="0"/>
+          <a:p>
+            <a:endParaRPr lang="en-US" sz="3200" spc="-1" strike="noStrike">
+              <a:solidFill>
+                <a:srgbClr val="000000"/>
+              </a:solidFill>
+              <a:uFill>
+                <a:solidFill>
+                  <a:srgbClr val="ffffff"/>
+                </a:solidFill>
+              </a:uFill>
+              <a:latin typeface="Arial"/>
+            </a:endParaRPr>
+          </a:p>
+        </p:txBody>
+      </p:sp>
+    </p:spTree>
+  </p:cSld>
+  <p:timing>
+    <p:tnLst>
+      <p:par>
+        <p:cTn id="31" dur="indefinite" restart="never" nodeType="tmRoot">
+          <p:childTnLst>
+            <p:seq>
+              <p:cTn id="32" nodeType="mainSeq"/>
+              <p:prevCondLst>
+                <p:cond delay="0" evt="onPrev">
+                  <p:tgtEl>
+                    <p:sldTgt/>
+                  </p:tgtEl>
+                </p:cond>
+              </p:prevCondLst>
+              <p:nextCondLst>
+                <p:cond delay="0" evt="onNext">
+                  <p:tgtEl>
+                    <p:sldTgt/>
+                  </p:tgtEl>
+                </p:cond>
+              </p:nextCondLst>
+            </p:seq>
+          </p:childTnLst>
+        </p:cTn>
+      </p:par>
+    </p:tnLst>
+  </p:timing>
+</p:sld>
+</file>
+
+<file path=ppt/slides/slide17.xml><?xml version="1.0" encoding="utf-8"?>
+<p:sld xmlns:a="http://schemas.openxmlformats.org/drawingml/2006/main" xmlns:p="http://schemas.openxmlformats.org/presentationml/2006/main" xmlns:r="http://schemas.openxmlformats.org/officeDocument/2006/relationships">
+  <p:cSld>
+    <p:spTree>
+      <p:nvGrpSpPr>
+        <p:cNvPr id="1" name=""/>
+        <p:cNvGrpSpPr/>
+        <p:nvPr/>
+      </p:nvGrpSpPr>
+      <p:grpSpPr>
+        <a:xfrm>
+          <a:off x="0" y="0"/>
+          <a:ext cx="0" cy="0"/>
+          <a:chOff x="0" y="0"/>
+          <a:chExt cx="0" cy="0"/>
+        </a:xfrm>
+      </p:grpSpPr>
+      <p:sp>
+        <p:nvSpPr>
+          <p:cNvPr id="66" name="TextShape 1"/>
+          <p:cNvSpPr txBox="1"/>
+          <p:nvPr/>
+        </p:nvSpPr>
+        <p:spPr>
+          <a:xfrm>
+            <a:off x="504000" y="301320"/>
+            <a:ext cx="9071640" cy="1262160"/>
+          </a:xfrm>
+          <a:prstGeom prst="rect">
+            <a:avLst/>
+          </a:prstGeom>
+          <a:noFill/>
+          <a:ln>
+            <a:noFill/>
+          </a:ln>
+        </p:spPr>
+        <p:txBody>
+          <a:bodyPr lIns="0" rIns="0" tIns="0" bIns="0" anchor="ctr"/>
+          <a:p>
+            <a:pPr algn="ctr"/>
+            <a:r>
+              <a:rPr lang="en-US" sz="4400" spc="-1" strike="noStrike">
+                <a:solidFill>
+                  <a:srgbClr val="666666"/>
+                </a:solidFill>
+                <a:uFill>
+                  <a:solidFill>
+                    <a:srgbClr val="ffffff"/>
+                  </a:solidFill>
+                </a:uFill>
+                <a:latin typeface="Times New Roman"/>
+              </a:rPr>
+              <a:t>Bug Competition:</a:t>
+            </a:r>
+            <a:r>
+              <a:rPr lang="en-US" sz="4400" spc="-1" strike="noStrike">
+                <a:solidFill>
+                  <a:srgbClr val="666666"/>
+                </a:solidFill>
+                <a:uFill>
+                  <a:solidFill>
+                    <a:srgbClr val="ffffff"/>
+                  </a:solidFill>
+                </a:uFill>
+                <a:latin typeface="Times New Roman"/>
+              </a:rPr>
+              <a:t>
+</a:t>
+            </a:r>
+            <a:r>
+              <a:rPr lang="en-US" sz="4400" spc="-1" strike="noStrike">
+                <a:solidFill>
+                  <a:srgbClr val="666666"/>
+                </a:solidFill>
+                <a:uFill>
+                  <a:solidFill>
+                    <a:srgbClr val="ffffff"/>
+                  </a:solidFill>
+                </a:uFill>
+                <a:latin typeface="Times New Roman"/>
+              </a:rPr>
+              <a:t>Inspecting other teams' code</a:t>
+            </a:r>
+            <a:endParaRPr lang="en-US" sz="4400" spc="-1" strike="noStrike">
+              <a:solidFill>
+                <a:srgbClr val="666666"/>
+              </a:solidFill>
+              <a:uFill>
+                <a:solidFill>
+                  <a:srgbClr val="ffffff"/>
+                </a:solidFill>
+              </a:uFill>
+              <a:latin typeface="Times New Roman"/>
+            </a:endParaRPr>
+          </a:p>
+        </p:txBody>
+      </p:sp>
+      <p:sp>
+        <p:nvSpPr>
+          <p:cNvPr id="67" name="TextShape 2"/>
+          <p:cNvSpPr txBox="1"/>
+          <p:nvPr/>
+        </p:nvSpPr>
+        <p:spPr>
+          <a:xfrm>
+            <a:off x="504000" y="1769040"/>
+            <a:ext cx="9071640" cy="4384440"/>
+          </a:xfrm>
+          <a:prstGeom prst="rect">
+            <a:avLst/>
+          </a:prstGeom>
+          <a:noFill/>
+          <a:ln>
+            <a:noFill/>
+          </a:ln>
+        </p:spPr>
+        <p:txBody>
+          <a:bodyPr lIns="0" rIns="0" tIns="0" bIns="0"/>
+          <a:p>
+            <a:pPr algn="ctr"/>
+            <a:endParaRPr lang="en-US" sz="3200" spc="-1" strike="noStrike">
+              <a:solidFill>
+                <a:srgbClr val="000000"/>
+              </a:solidFill>
+              <a:uFill>
+                <a:solidFill>
+                  <a:srgbClr val="ffffff"/>
+                </a:solidFill>
+              </a:uFill>
+              <a:latin typeface="Arial"/>
+            </a:endParaRPr>
+          </a:p>
+        </p:txBody>
+      </p:sp>
+    </p:spTree>
+  </p:cSld>
+  <p:timing>
+    <p:tnLst>
+      <p:par>
+        <p:cTn id="33" dur="indefinite" restart="never" nodeType="tmRoot">
+          <p:childTnLst>
+            <p:seq>
+              <p:cTn id="34" nodeType="mainSeq"/>
+              <p:prevCondLst>
+                <p:cond delay="0" evt="onPrev">
+                  <p:tgtEl>
+                    <p:sldTgt/>
+                  </p:tgtEl>
+                </p:cond>
+              </p:prevCondLst>
+              <p:nextCondLst>
+                <p:cond delay="0" evt="onNext">
+                  <p:tgtEl>
+                    <p:sldTgt/>
+                  </p:tgtEl>
+                </p:cond>
+              </p:nextCondLst>
+            </p:seq>
+          </p:childTnLst>
+        </p:cTn>
+      </p:par>
+    </p:tnLst>
+  </p:timing>
+</p:sld>
+</file>
+
+<file path=ppt/slides/slide18.xml><?xml version="1.0" encoding="utf-8"?>
+<p:sld xmlns:a="http://schemas.openxmlformats.org/drawingml/2006/main" xmlns:p="http://schemas.openxmlformats.org/presentationml/2006/main" xmlns:r="http://schemas.openxmlformats.org/officeDocument/2006/relationships">
+  <p:cSld>
+    <p:spTree>
+      <p:nvGrpSpPr>
+        <p:cNvPr id="1" name=""/>
+        <p:cNvGrpSpPr/>
+        <p:nvPr/>
+      </p:nvGrpSpPr>
+      <p:grpSpPr>
+        <a:xfrm>
+          <a:off x="0" y="0"/>
+          <a:ext cx="0" cy="0"/>
+          <a:chOff x="0" y="0"/>
+          <a:chExt cx="0" cy="0"/>
+        </a:xfrm>
+      </p:grpSpPr>
+      <p:sp>
+        <p:nvSpPr>
+          <p:cNvPr id="68" name="TextShape 1"/>
+          <p:cNvSpPr txBox="1"/>
+          <p:nvPr/>
+        </p:nvSpPr>
+        <p:spPr>
+          <a:xfrm>
+            <a:off x="504000" y="301320"/>
+            <a:ext cx="9071640" cy="1262160"/>
+          </a:xfrm>
+          <a:prstGeom prst="rect">
+            <a:avLst/>
+          </a:prstGeom>
+          <a:noFill/>
+          <a:ln>
+            <a:noFill/>
+          </a:ln>
+        </p:spPr>
+        <p:txBody>
+          <a:bodyPr lIns="0" rIns="0" tIns="0" bIns="0" anchor="ctr"/>
+          <a:p>
+            <a:pPr algn="ctr"/>
+            <a:endParaRPr lang="en-US" sz="4400" spc="-1" strike="noStrike">
+              <a:solidFill>
+                <a:srgbClr val="000000"/>
+              </a:solidFill>
+              <a:uFill>
+                <a:solidFill>
+                  <a:srgbClr val="ffffff"/>
+                </a:solidFill>
+              </a:uFill>
+              <a:latin typeface="Arial"/>
+            </a:endParaRPr>
+          </a:p>
+        </p:txBody>
+      </p:sp>
+      <p:sp>
+        <p:nvSpPr>
+          <p:cNvPr id="69" name="TextShape 2"/>
+          <p:cNvSpPr txBox="1"/>
+          <p:nvPr/>
+        </p:nvSpPr>
+        <p:spPr>
+          <a:xfrm>
+            <a:off x="504000" y="1769040"/>
+            <a:ext cx="9071640" cy="4384440"/>
+          </a:xfrm>
+          <a:prstGeom prst="rect">
+            <a:avLst/>
+          </a:prstGeom>
+          <a:noFill/>
+          <a:ln>
+            <a:noFill/>
+          </a:ln>
+        </p:spPr>
+        <p:txBody>
+          <a:bodyPr lIns="0" rIns="0" tIns="0" bIns="0"/>
+          <a:p>
+            <a:endParaRPr lang="en-US" sz="3200" spc="-1" strike="noStrike">
+              <a:solidFill>
+                <a:srgbClr val="000000"/>
+              </a:solidFill>
+              <a:uFill>
+                <a:solidFill>
+                  <a:srgbClr val="ffffff"/>
+                </a:solidFill>
+              </a:uFill>
+              <a:latin typeface="Arial"/>
+            </a:endParaRPr>
+          </a:p>
+        </p:txBody>
+      </p:sp>
+    </p:spTree>
+  </p:cSld>
+  <p:timing>
+    <p:tnLst>
+      <p:par>
+        <p:cTn id="35" dur="indefinite" restart="never" nodeType="tmRoot">
+          <p:childTnLst>
+            <p:seq>
+              <p:cTn id="36" nodeType="mainSeq"/>
+              <p:prevCondLst>
+                <p:cond delay="0" evt="onPrev">
+                  <p:tgtEl>
+                    <p:sldTgt/>
+                  </p:tgtEl>
+                </p:cond>
+              </p:prevCondLst>
+              <p:nextCondLst>
+                <p:cond delay="0" evt="onNext">
+                  <p:tgtEl>
+                    <p:sldTgt/>
+                  </p:tgtEl>
+                </p:cond>
+              </p:nextCondLst>
+            </p:seq>
+          </p:childTnLst>
+        </p:cTn>
+      </p:par>
+    </p:tnLst>
+  </p:timing>
+</p:sld>
+</file>
+
+<file path=ppt/slides/slide19.xml><?xml version="1.0" encoding="utf-8"?>
+<p:sld xmlns:a="http://schemas.openxmlformats.org/drawingml/2006/main" xmlns:p="http://schemas.openxmlformats.org/presentationml/2006/main" xmlns:r="http://schemas.openxmlformats.org/officeDocument/2006/relationships">
+  <p:cSld>
+    <p:spTree>
+      <p:nvGrpSpPr>
+        <p:cNvPr id="1" name=""/>
+        <p:cNvGrpSpPr/>
+        <p:nvPr/>
+      </p:nvGrpSpPr>
+      <p:grpSpPr>
+        <a:xfrm>
+          <a:off x="0" y="0"/>
+          <a:ext cx="0" cy="0"/>
+          <a:chOff x="0" y="0"/>
+          <a:chExt cx="0" cy="0"/>
+        </a:xfrm>
+      </p:grpSpPr>
+      <p:sp>
+        <p:nvSpPr>
+          <p:cNvPr id="70" name="TextShape 1"/>
+          <p:cNvSpPr txBox="1"/>
+          <p:nvPr/>
+        </p:nvSpPr>
+        <p:spPr>
+          <a:xfrm>
+            <a:off x="504000" y="301320"/>
+            <a:ext cx="9071640" cy="1262160"/>
+          </a:xfrm>
+          <a:prstGeom prst="rect">
+            <a:avLst/>
+          </a:prstGeom>
+          <a:noFill/>
+          <a:ln>
+            <a:noFill/>
+          </a:ln>
+        </p:spPr>
+        <p:txBody>
+          <a:bodyPr lIns="0" rIns="0" tIns="0" bIns="0" anchor="ctr"/>
+          <a:p>
+            <a:pPr algn="ctr"/>
+            <a:endParaRPr lang="en-US" sz="4400" spc="-1" strike="noStrike">
+              <a:solidFill>
+                <a:srgbClr val="000000"/>
+              </a:solidFill>
+              <a:uFill>
+                <a:solidFill>
+                  <a:srgbClr val="ffffff"/>
+                </a:solidFill>
+              </a:uFill>
+              <a:latin typeface="Arial"/>
+            </a:endParaRPr>
+          </a:p>
+        </p:txBody>
+      </p:sp>
+      <p:sp>
+        <p:nvSpPr>
+          <p:cNvPr id="71" name="TextShape 2"/>
+          <p:cNvSpPr txBox="1"/>
+          <p:nvPr/>
+        </p:nvSpPr>
+        <p:spPr>
+          <a:xfrm>
+            <a:off x="504000" y="1769040"/>
+            <a:ext cx="9071640" cy="4384440"/>
+          </a:xfrm>
+          <a:prstGeom prst="rect">
+            <a:avLst/>
+          </a:prstGeom>
+          <a:noFill/>
+          <a:ln>
+            <a:noFill/>
+          </a:ln>
+        </p:spPr>
+        <p:txBody>
+          <a:bodyPr lIns="0" rIns="0" tIns="0" bIns="0"/>
+          <a:p>
+            <a:endParaRPr lang="en-US" sz="3200" spc="-1" strike="noStrike">
+              <a:solidFill>
+                <a:srgbClr val="000000"/>
+              </a:solidFill>
+              <a:uFill>
+                <a:solidFill>
+                  <a:srgbClr val="ffffff"/>
+                </a:solidFill>
+              </a:uFill>
+              <a:latin typeface="Arial"/>
+            </a:endParaRPr>
+          </a:p>
+        </p:txBody>
+      </p:sp>
+    </p:spTree>
+  </p:cSld>
+  <p:timing>
+    <p:tnLst>
+      <p:par>
+        <p:cTn id="37" dur="indefinite" restart="never" nodeType="tmRoot">
+          <p:childTnLst>
+            <p:seq>
+              <p:cTn id="38" nodeType="mainSeq"/>
+              <p:prevCondLst>
+                <p:cond delay="0" evt="onPrev">
+                  <p:tgtEl>
+                    <p:sldTgt/>
+                  </p:tgtEl>
+                </p:cond>
+              </p:prevCondLst>
+              <p:nextCondLst>
+                <p:cond delay="0" evt="onNext">
+                  <p:tgtEl>
+                    <p:sldTgt/>
+                  </p:tgtEl>
+                </p:cond>
+              </p:nextCondLst>
+            </p:seq>
+          </p:childTnLst>
+        </p:cTn>
+      </p:par>
+    </p:tnLst>
+  </p:timing>
 </p:sld>
 </file>
 
@@ -2933,7 +4063,7 @@
             <a:r>
               <a:rPr lang="en-US" sz="4400" spc="-1" strike="noStrike">
                 <a:solidFill>
-                  <a:srgbClr val="000000"/>
+                  <a:srgbClr val="666666"/>
                 </a:solidFill>
                 <a:uFill>
                   <a:solidFill>
@@ -2942,10 +4072,46 @@
                 </a:uFill>
                 <a:latin typeface="Times New Roman"/>
               </a:rPr>
-              <a:t>	</a:t>
+              <a:t>Designing the Model</a:t>
             </a:r>
+            <a:endParaRPr lang="en-US" sz="4400" spc="-1" strike="noStrike">
+              <a:solidFill>
+                <a:srgbClr val="666666"/>
+              </a:solidFill>
+              <a:uFill>
+                <a:solidFill>
+                  <a:srgbClr val="ffffff"/>
+                </a:solidFill>
+              </a:uFill>
+              <a:latin typeface="Times New Roman"/>
+            </a:endParaRPr>
+          </a:p>
+        </p:txBody>
+      </p:sp>
+      <p:sp>
+        <p:nvSpPr>
+          <p:cNvPr id="50" name="TextShape 2"/>
+          <p:cNvSpPr txBox="1"/>
+          <p:nvPr/>
+        </p:nvSpPr>
+        <p:spPr>
+          <a:xfrm>
+            <a:off x="504000" y="1769040"/>
+            <a:ext cx="9071640" cy="4384440"/>
+          </a:xfrm>
+          <a:prstGeom prst="rect">
+            <a:avLst/>
+          </a:prstGeom>
+          <a:noFill/>
+          <a:ln>
+            <a:noFill/>
+          </a:ln>
+        </p:spPr>
+        <p:txBody>
+          <a:bodyPr lIns="0" rIns="0" tIns="0" bIns="0"/>
+          <a:p>
             <a:r>
-              <a:rPr lang="en-US" sz="4400" spc="-1" strike="noStrike">
+              <a:rPr lang="en-US" sz="3200" spc="-1" strike="noStrike">
                 <a:solidFill>
                   <a:srgbClr val="666666"/>
                 </a:solidFill>
@@ -2956,43 +4122,33 @@
                 </a:uFill>
                 <a:latin typeface="Times New Roman"/>
               </a:rPr>
-              <a:t>Solitaire Heuristic Function</a:t>
+              <a:t>1. Two models into one</a:t>
             </a:r>
-            <a:endParaRPr lang="en-US" sz="4400" spc="-1" strike="noStrike">
-              <a:solidFill>
-                <a:srgbClr val="000000"/>
-              </a:solidFill>
-              <a:uFill>
-                <a:solidFill>
-                  <a:srgbClr val="ffffff"/>
-                </a:solidFill>
-              </a:uFill>
-              <a:latin typeface="Arial"/>
-            </a:endParaRPr>
-          </a:p>
-        </p:txBody>
-      </p:sp>
-      <p:sp>
-        <p:nvSpPr>
-          <p:cNvPr id="50" name="TextShape 2"/>
-          <p:cNvSpPr txBox="1"/>
-          <p:nvPr/>
-        </p:nvSpPr>
-        <p:spPr>
-          <a:xfrm>
-            <a:off x="504000" y="1769040"/>
-            <a:ext cx="9071640" cy="4384440"/>
-          </a:xfrm>
-          <a:prstGeom prst="rect">
-            <a:avLst/>
-          </a:prstGeom>
-          <a:noFill/>
-          <a:ln>
-            <a:noFill/>
-          </a:ln>
-        </p:spPr>
-        <p:txBody>
-          <a:bodyPr lIns="0" rIns="0" tIns="0" bIns="0"/>
+            <a:endParaRPr lang="en-US" sz="3200" spc="-1" strike="noStrike">
+              <a:solidFill>
+                <a:srgbClr val="666666"/>
+              </a:solidFill>
+              <a:uFill>
+                <a:solidFill>
+                  <a:srgbClr val="ffffff"/>
+                </a:solidFill>
+              </a:uFill>
+              <a:latin typeface="Times New Roman"/>
+            </a:endParaRPr>
+          </a:p>
+          <a:p>
+            <a:endParaRPr lang="en-US" sz="3200" spc="-1" strike="noStrike">
+              <a:solidFill>
+                <a:srgbClr val="666666"/>
+              </a:solidFill>
+              <a:uFill>
+                <a:solidFill>
+                  <a:srgbClr val="ffffff"/>
+                </a:solidFill>
+              </a:uFill>
+              <a:latin typeface="Times New Roman"/>
+            </a:endParaRPr>
+          </a:p>
           <a:p>
             <a:r>
               <a:rPr lang="en-US" sz="3200" spc="-1" strike="noStrike">
@@ -3006,31 +4162,31 @@
                 </a:uFill>
                 <a:latin typeface="Times New Roman"/>
               </a:rPr>
-              <a:t>1. Solitaire Mancala: an unsolvable problem</a:t>
+              <a:t>2. Sharing classes</a:t>
             </a:r>
             <a:endParaRPr lang="en-US" sz="3200" spc="-1" strike="noStrike">
               <a:solidFill>
-                <a:srgbClr val="000000"/>
-              </a:solidFill>
-              <a:uFill>
-                <a:solidFill>
-                  <a:srgbClr val="ffffff"/>
-                </a:solidFill>
-              </a:uFill>
-              <a:latin typeface="Arial"/>
-            </a:endParaRPr>
-          </a:p>
-          <a:p>
-            <a:endParaRPr lang="en-US" sz="3200" spc="-1" strike="noStrike">
-              <a:solidFill>
-                <a:srgbClr val="000000"/>
-              </a:solidFill>
-              <a:uFill>
-                <a:solidFill>
-                  <a:srgbClr val="ffffff"/>
-                </a:solidFill>
-              </a:uFill>
-              <a:latin typeface="Arial"/>
+                <a:srgbClr val="666666"/>
+              </a:solidFill>
+              <a:uFill>
+                <a:solidFill>
+                  <a:srgbClr val="ffffff"/>
+                </a:solidFill>
+              </a:uFill>
+              <a:latin typeface="Times New Roman"/>
+            </a:endParaRPr>
+          </a:p>
+          <a:p>
+            <a:endParaRPr lang="en-US" sz="3200" spc="-1" strike="noStrike">
+              <a:solidFill>
+                <a:srgbClr val="666666"/>
+              </a:solidFill>
+              <a:uFill>
+                <a:solidFill>
+                  <a:srgbClr val="ffffff"/>
+                </a:solidFill>
+              </a:uFill>
+              <a:latin typeface="Times New Roman"/>
             </a:endParaRPr>
           </a:p>
           <a:p>
@@ -3046,31 +4202,31 @@
                 </a:uFill>
                 <a:latin typeface="Times New Roman"/>
               </a:rPr>
-              <a:t>2. Fail to apply the most common approach</a:t>
+              <a:t>3. Integrating the AI library</a:t>
             </a:r>
             <a:endParaRPr lang="en-US" sz="3200" spc="-1" strike="noStrike">
               <a:solidFill>
-                <a:srgbClr val="000000"/>
-              </a:solidFill>
-              <a:uFill>
-                <a:solidFill>
-                  <a:srgbClr val="ffffff"/>
-                </a:solidFill>
-              </a:uFill>
-              <a:latin typeface="Arial"/>
-            </a:endParaRPr>
-          </a:p>
-          <a:p>
-            <a:endParaRPr lang="en-US" sz="3200" spc="-1" strike="noStrike">
-              <a:solidFill>
-                <a:srgbClr val="000000"/>
-              </a:solidFill>
-              <a:uFill>
-                <a:solidFill>
-                  <a:srgbClr val="ffffff"/>
-                </a:solidFill>
-              </a:uFill>
-              <a:latin typeface="Arial"/>
+                <a:srgbClr val="666666"/>
+              </a:solidFill>
+              <a:uFill>
+                <a:solidFill>
+                  <a:srgbClr val="ffffff"/>
+                </a:solidFill>
+              </a:uFill>
+              <a:latin typeface="Times New Roman"/>
+            </a:endParaRPr>
+          </a:p>
+          <a:p>
+            <a:endParaRPr lang="en-US" sz="3200" spc="-1" strike="noStrike">
+              <a:solidFill>
+                <a:srgbClr val="666666"/>
+              </a:solidFill>
+              <a:uFill>
+                <a:solidFill>
+                  <a:srgbClr val="ffffff"/>
+                </a:solidFill>
+              </a:uFill>
+              <a:latin typeface="Times New Roman"/>
             </a:endParaRPr>
           </a:p>
           <a:p>
@@ -3086,44 +4242,18 @@
                 </a:uFill>
                 <a:latin typeface="Times New Roman"/>
               </a:rPr>
-              <a:t>3. A customized approach: Life Expectancy</a:t>
+              <a:t>4. Keeping the game and the AI engine separated</a:t>
             </a:r>
             <a:endParaRPr lang="en-US" sz="3200" spc="-1" strike="noStrike">
               <a:solidFill>
-                <a:srgbClr val="000000"/>
-              </a:solidFill>
-              <a:uFill>
-                <a:solidFill>
-                  <a:srgbClr val="ffffff"/>
-                </a:solidFill>
-              </a:uFill>
-              <a:latin typeface="Arial"/>
-            </a:endParaRPr>
-          </a:p>
-          <a:p>
-            <a:endParaRPr lang="en-US" sz="3200" spc="-1" strike="noStrike">
-              <a:solidFill>
-                <a:srgbClr val="000000"/>
-              </a:solidFill>
-              <a:uFill>
-                <a:solidFill>
-                  <a:srgbClr val="ffffff"/>
-                </a:solidFill>
-              </a:uFill>
-              <a:latin typeface="Arial"/>
-            </a:endParaRPr>
-          </a:p>
-          <a:p>
-            <a:endParaRPr lang="en-US" sz="3200" spc="-1" strike="noStrike">
-              <a:solidFill>
-                <a:srgbClr val="000000"/>
-              </a:solidFill>
-              <a:uFill>
-                <a:solidFill>
-                  <a:srgbClr val="ffffff"/>
-                </a:solidFill>
-              </a:uFill>
-              <a:latin typeface="Arial"/>
+                <a:srgbClr val="666666"/>
+              </a:solidFill>
+              <a:uFill>
+                <a:solidFill>
+                  <a:srgbClr val="ffffff"/>
+                </a:solidFill>
+              </a:uFill>
+              <a:latin typeface="Times New Roman"/>
             </a:endParaRPr>
           </a:p>
         </p:txBody>
@@ -3177,31 +4307,108 @@
           <a:chExt cx="0" cy="0"/>
         </a:xfrm>
       </p:grpSpPr>
-      <p:pic>
-        <p:nvPicPr>
-          <p:cNvPr id="51" name="" descr=""/>
-          <p:cNvPicPr/>
+      <p:sp>
+        <p:nvSpPr>
+          <p:cNvPr id="51" name="TextShape 1"/>
+          <p:cNvSpPr txBox="1"/>
           <p:nvPr/>
-        </p:nvPicPr>
-        <p:blipFill>
-          <a:blip r:embed="rId1"/>
-          <a:stretch/>
-        </p:blipFill>
-        <p:spPr>
-          <a:xfrm>
-            <a:off x="320760" y="1737360"/>
-            <a:ext cx="9463320" cy="3474720"/>
-          </a:xfrm>
-          <a:prstGeom prst="rect">
-            <a:avLst/>
-          </a:prstGeom>
+        </p:nvSpPr>
+        <p:spPr>
+          <a:xfrm>
+            <a:off x="504000" y="301320"/>
+            <a:ext cx="9071640" cy="1262160"/>
+          </a:xfrm>
+          <a:prstGeom prst="rect">
+            <a:avLst/>
+          </a:prstGeom>
+          <a:noFill/>
           <a:ln>
             <a:noFill/>
           </a:ln>
         </p:spPr>
-      </p:pic>
+        <p:txBody>
+          <a:bodyPr lIns="0" rIns="0" tIns="0" bIns="0" anchor="ctr"/>
+          <a:p>
+            <a:pPr algn="ctr"/>
+            <a:endParaRPr lang="en-US" sz="4400" spc="-1" strike="noStrike">
+              <a:solidFill>
+                <a:srgbClr val="000000"/>
+              </a:solidFill>
+              <a:uFill>
+                <a:solidFill>
+                  <a:srgbClr val="ffffff"/>
+                </a:solidFill>
+              </a:uFill>
+              <a:latin typeface="Arial"/>
+            </a:endParaRPr>
+          </a:p>
+        </p:txBody>
+      </p:sp>
+      <p:sp>
+        <p:nvSpPr>
+          <p:cNvPr id="52" name="TextShape 2"/>
+          <p:cNvSpPr txBox="1"/>
+          <p:nvPr/>
+        </p:nvSpPr>
+        <p:spPr>
+          <a:xfrm>
+            <a:off x="504000" y="1769040"/>
+            <a:ext cx="9071640" cy="4384440"/>
+          </a:xfrm>
+          <a:prstGeom prst="rect">
+            <a:avLst/>
+          </a:prstGeom>
+          <a:noFill/>
+          <a:ln>
+            <a:noFill/>
+          </a:ln>
+        </p:spPr>
+        <p:txBody>
+          <a:bodyPr lIns="0" rIns="0" tIns="0" bIns="0"/>
+          <a:p>
+            <a:endParaRPr lang="en-US" sz="3200" spc="-1" strike="noStrike">
+              <a:solidFill>
+                <a:srgbClr val="000000"/>
+              </a:solidFill>
+              <a:uFill>
+                <a:solidFill>
+                  <a:srgbClr val="ffffff"/>
+                </a:solidFill>
+              </a:uFill>
+              <a:latin typeface="Arial"/>
+            </a:endParaRPr>
+          </a:p>
+        </p:txBody>
+      </p:sp>
     </p:spTree>
   </p:cSld>
+  <p:timing>
+    <p:tnLst>
+      <p:par>
+        <p:cTn id="15" dur="indefinite" restart="never" nodeType="tmRoot">
+          <p:childTnLst>
+            <p:seq>
+              <p:cTn id="16" nodeType="mainSeq"/>
+              <p:prevCondLst>
+                <p:cond delay="0" evt="onPrev">
+                  <p:tgtEl>
+                    <p:sldTgt/>
+                  </p:tgtEl>
+                </p:cond>
+              </p:prevCondLst>
+              <p:nextCondLst>
+                <p:cond delay="0" evt="onNext">
+                  <p:tgtEl>
+                    <p:sldTgt/>
+                  </p:tgtEl>
+                </p:cond>
+              </p:nextCondLst>
+            </p:seq>
+          </p:childTnLst>
+        </p:cTn>
+      </p:par>
+    </p:tnLst>
+  </p:timing>
 </p:sld>
 </file>
 
@@ -3222,31 +4429,108 @@
           <a:chExt cx="0" cy="0"/>
         </a:xfrm>
       </p:grpSpPr>
-      <p:pic>
-        <p:nvPicPr>
-          <p:cNvPr id="52" name="" descr=""/>
-          <p:cNvPicPr/>
+      <p:sp>
+        <p:nvSpPr>
+          <p:cNvPr id="53" name="TextShape 1"/>
+          <p:cNvSpPr txBox="1"/>
           <p:nvPr/>
-        </p:nvPicPr>
-        <p:blipFill>
-          <a:blip r:embed="rId1"/>
-          <a:stretch/>
-        </p:blipFill>
-        <p:spPr>
-          <a:xfrm>
-            <a:off x="274320" y="1511640"/>
-            <a:ext cx="9522720" cy="4157640"/>
-          </a:xfrm>
-          <a:prstGeom prst="rect">
-            <a:avLst/>
-          </a:prstGeom>
+        </p:nvSpPr>
+        <p:spPr>
+          <a:xfrm>
+            <a:off x="504000" y="301320"/>
+            <a:ext cx="9071640" cy="1262160"/>
+          </a:xfrm>
+          <a:prstGeom prst="rect">
+            <a:avLst/>
+          </a:prstGeom>
+          <a:noFill/>
           <a:ln>
             <a:noFill/>
           </a:ln>
         </p:spPr>
-      </p:pic>
+        <p:txBody>
+          <a:bodyPr lIns="0" rIns="0" tIns="0" bIns="0" anchor="ctr"/>
+          <a:p>
+            <a:pPr algn="ctr"/>
+            <a:endParaRPr lang="en-US" sz="4400" spc="-1" strike="noStrike">
+              <a:solidFill>
+                <a:srgbClr val="000000"/>
+              </a:solidFill>
+              <a:uFill>
+                <a:solidFill>
+                  <a:srgbClr val="ffffff"/>
+                </a:solidFill>
+              </a:uFill>
+              <a:latin typeface="Arial"/>
+            </a:endParaRPr>
+          </a:p>
+        </p:txBody>
+      </p:sp>
+      <p:sp>
+        <p:nvSpPr>
+          <p:cNvPr id="54" name="TextShape 2"/>
+          <p:cNvSpPr txBox="1"/>
+          <p:nvPr/>
+        </p:nvSpPr>
+        <p:spPr>
+          <a:xfrm>
+            <a:off x="504000" y="1769040"/>
+            <a:ext cx="9071640" cy="4384440"/>
+          </a:xfrm>
+          <a:prstGeom prst="rect">
+            <a:avLst/>
+          </a:prstGeom>
+          <a:noFill/>
+          <a:ln>
+            <a:noFill/>
+          </a:ln>
+        </p:spPr>
+        <p:txBody>
+          <a:bodyPr lIns="0" rIns="0" tIns="0" bIns="0"/>
+          <a:p>
+            <a:endParaRPr lang="en-US" sz="3200" spc="-1" strike="noStrike">
+              <a:solidFill>
+                <a:srgbClr val="000000"/>
+              </a:solidFill>
+              <a:uFill>
+                <a:solidFill>
+                  <a:srgbClr val="ffffff"/>
+                </a:solidFill>
+              </a:uFill>
+              <a:latin typeface="Arial"/>
+            </a:endParaRPr>
+          </a:p>
+        </p:txBody>
+      </p:sp>
     </p:spTree>
   </p:cSld>
+  <p:timing>
+    <p:tnLst>
+      <p:par>
+        <p:cTn id="17" dur="indefinite" restart="never" nodeType="tmRoot">
+          <p:childTnLst>
+            <p:seq>
+              <p:cTn id="18" nodeType="mainSeq"/>
+              <p:prevCondLst>
+                <p:cond delay="0" evt="onPrev">
+                  <p:tgtEl>
+                    <p:sldTgt/>
+                  </p:tgtEl>
+                </p:cond>
+              </p:prevCondLst>
+              <p:nextCondLst>
+                <p:cond delay="0" evt="onNext">
+                  <p:tgtEl>
+                    <p:sldTgt/>
+                  </p:tgtEl>
+                </p:cond>
+              </p:nextCondLst>
+            </p:seq>
+          </p:childTnLst>
+        </p:cTn>
+      </p:par>
+    </p:tnLst>
+  </p:timing>
 </p:sld>
 </file>
 

--- a/Slides/Keypoints.pptx
+++ b/Slides/Keypoints.pptx
@@ -24,6 +24,7 @@
     <p:sldId id="272" r:id="rId19"/>
     <p:sldId id="273" r:id="rId20"/>
     <p:sldId id="274" r:id="rId21"/>
+    <p:sldId id="275" r:id="rId22"/>
   </p:sldIdLst>
   <p:sldSz cx="10080625" cy="7559675"/>
   <p:notesSz cx="7559675" cy="10691812"/>
@@ -1971,7 +1972,7 @@
           <a:bodyPr lIns="0" rIns="0" tIns="0" bIns="0"/>
           <a:p>
             <a:pPr algn="r"/>
-            <a:fld id="{15850EA5-5B3D-4521-8446-289A06F48262}" type="slidenum">
+            <a:fld id="{11142C45-22AE-4F67-8738-E3FF8FD4111A}" type="slidenum">
               <a:rPr lang="en-US" sz="1400" spc="-1" strike="noStrike">
                 <a:solidFill>
                   <a:srgbClr val="000000"/>
@@ -2346,79 +2347,29 @@
           <a:chExt cx="0" cy="0"/>
         </a:xfrm>
       </p:grpSpPr>
-      <p:sp>
-        <p:nvSpPr>
-          <p:cNvPr id="55" name="TextShape 1"/>
-          <p:cNvSpPr txBox="1"/>
+      <p:pic>
+        <p:nvPicPr>
+          <p:cNvPr id="53" name="" descr=""/>
+          <p:cNvPicPr/>
           <p:nvPr/>
-        </p:nvSpPr>
-        <p:spPr>
-          <a:xfrm>
-            <a:off x="504000" y="301320"/>
-            <a:ext cx="9071640" cy="1262160"/>
-          </a:xfrm>
-          <a:prstGeom prst="rect">
-            <a:avLst/>
-          </a:prstGeom>
-          <a:noFill/>
+        </p:nvPicPr>
+        <p:blipFill>
+          <a:blip r:embed="rId1"/>
+          <a:stretch/>
+        </p:blipFill>
+        <p:spPr>
+          <a:xfrm>
+            <a:off x="547920" y="963720"/>
+            <a:ext cx="9053280" cy="4797000"/>
+          </a:xfrm>
+          <a:prstGeom prst="rect">
+            <a:avLst/>
+          </a:prstGeom>
           <a:ln>
             <a:noFill/>
           </a:ln>
         </p:spPr>
-        <p:txBody>
-          <a:bodyPr lIns="0" rIns="0" tIns="0" bIns="0" anchor="ctr"/>
-          <a:p>
-            <a:pPr algn="ctr"/>
-            <a:endParaRPr lang="en-US" sz="4400" spc="-1" strike="noStrike">
-              <a:solidFill>
-                <a:srgbClr val="000000"/>
-              </a:solidFill>
-              <a:uFill>
-                <a:solidFill>
-                  <a:srgbClr val="ffffff"/>
-                </a:solidFill>
-              </a:uFill>
-              <a:latin typeface="Arial"/>
-            </a:endParaRPr>
-          </a:p>
-        </p:txBody>
-      </p:sp>
-      <p:sp>
-        <p:nvSpPr>
-          <p:cNvPr id="56" name="TextShape 2"/>
-          <p:cNvSpPr txBox="1"/>
-          <p:nvPr/>
-        </p:nvSpPr>
-        <p:spPr>
-          <a:xfrm>
-            <a:off x="504000" y="1769040"/>
-            <a:ext cx="9071640" cy="4384440"/>
-          </a:xfrm>
-          <a:prstGeom prst="rect">
-            <a:avLst/>
-          </a:prstGeom>
-          <a:noFill/>
-          <a:ln>
-            <a:noFill/>
-          </a:ln>
-        </p:spPr>
-        <p:txBody>
-          <a:bodyPr lIns="0" rIns="0" tIns="0" bIns="0"/>
-          <a:p>
-            <a:endParaRPr lang="en-US" sz="3200" spc="-1" strike="noStrike">
-              <a:solidFill>
-                <a:srgbClr val="000000"/>
-              </a:solidFill>
-              <a:uFill>
-                <a:solidFill>
-                  <a:srgbClr val="ffffff"/>
-                </a:solidFill>
-              </a:uFill>
-              <a:latin typeface="Arial"/>
-            </a:endParaRPr>
-          </a:p>
-        </p:txBody>
-      </p:sp>
+      </p:pic>
     </p:spTree>
   </p:cSld>
   <p:timing>
@@ -2470,7 +2421,7 @@
       </p:grpSpPr>
       <p:sp>
         <p:nvSpPr>
-          <p:cNvPr id="57" name="TextShape 1"/>
+          <p:cNvPr id="54" name="TextShape 1"/>
           <p:cNvSpPr txBox="1"/>
           <p:nvPr/>
         </p:nvSpPr>
@@ -2491,34 +2442,6 @@
           <a:bodyPr lIns="0" rIns="0" tIns="0" bIns="0" anchor="ctr"/>
           <a:p>
             <a:pPr algn="ctr"/>
-            <a:r>
-              <a:rPr lang="en-US" sz="4400" spc="-1" strike="noStrike">
-                <a:solidFill>
-                  <a:srgbClr val="000000"/>
-                </a:solidFill>
-                <a:uFill>
-                  <a:solidFill>
-                    <a:srgbClr val="ffffff"/>
-                  </a:solidFill>
-                </a:uFill>
-                <a:latin typeface="Times New Roman"/>
-              </a:rPr>
-              <a:t>	</a:t>
-            </a:r>
-            <a:r>
-              <a:rPr lang="en-US" sz="4400" spc="-1" strike="noStrike">
-                <a:solidFill>
-                  <a:srgbClr val="666666"/>
-                </a:solidFill>
-                <a:uFill>
-                  <a:solidFill>
-                    <a:srgbClr val="ffffff"/>
-                  </a:solidFill>
-                </a:uFill>
-                <a:latin typeface="Times New Roman"/>
-              </a:rPr>
-              <a:t>Solitaire Heuristic Function</a:t>
-            </a:r>
             <a:endParaRPr lang="en-US" sz="4400" spc="-1" strike="noStrike">
               <a:solidFill>
                 <a:srgbClr val="000000"/>
@@ -2535,7 +2458,7 @@
       </p:sp>
       <p:sp>
         <p:nvSpPr>
-          <p:cNvPr id="58" name="TextShape 2"/>
+          <p:cNvPr id="55" name="TextShape 2"/>
           <p:cNvSpPr txBox="1"/>
           <p:nvPr/>
         </p:nvSpPr>
@@ -2554,126 +2477,6 @@
         </p:spPr>
         <p:txBody>
           <a:bodyPr lIns="0" rIns="0" tIns="0" bIns="0"/>
-          <a:p>
-            <a:r>
-              <a:rPr lang="en-US" sz="3200" spc="-1" strike="noStrike">
-                <a:solidFill>
-                  <a:srgbClr val="666666"/>
-                </a:solidFill>
-                <a:uFill>
-                  <a:solidFill>
-                    <a:srgbClr val="ffffff"/>
-                  </a:solidFill>
-                </a:uFill>
-                <a:latin typeface="Times New Roman"/>
-              </a:rPr>
-              <a:t>1. Solitaire Mancala: an unsolvable problem</a:t>
-            </a:r>
-            <a:endParaRPr lang="en-US" sz="3200" spc="-1" strike="noStrike">
-              <a:solidFill>
-                <a:srgbClr val="000000"/>
-              </a:solidFill>
-              <a:uFill>
-                <a:solidFill>
-                  <a:srgbClr val="ffffff"/>
-                </a:solidFill>
-              </a:uFill>
-              <a:latin typeface="Arial"/>
-            </a:endParaRPr>
-          </a:p>
-          <a:p>
-            <a:endParaRPr lang="en-US" sz="3200" spc="-1" strike="noStrike">
-              <a:solidFill>
-                <a:srgbClr val="000000"/>
-              </a:solidFill>
-              <a:uFill>
-                <a:solidFill>
-                  <a:srgbClr val="ffffff"/>
-                </a:solidFill>
-              </a:uFill>
-              <a:latin typeface="Arial"/>
-            </a:endParaRPr>
-          </a:p>
-          <a:p>
-            <a:r>
-              <a:rPr lang="en-US" sz="3200" spc="-1" strike="noStrike">
-                <a:solidFill>
-                  <a:srgbClr val="666666"/>
-                </a:solidFill>
-                <a:uFill>
-                  <a:solidFill>
-                    <a:srgbClr val="ffffff"/>
-                  </a:solidFill>
-                </a:uFill>
-                <a:latin typeface="Times New Roman"/>
-              </a:rPr>
-              <a:t>2. Fail to apply the most common approach</a:t>
-            </a:r>
-            <a:endParaRPr lang="en-US" sz="3200" spc="-1" strike="noStrike">
-              <a:solidFill>
-                <a:srgbClr val="000000"/>
-              </a:solidFill>
-              <a:uFill>
-                <a:solidFill>
-                  <a:srgbClr val="ffffff"/>
-                </a:solidFill>
-              </a:uFill>
-              <a:latin typeface="Arial"/>
-            </a:endParaRPr>
-          </a:p>
-          <a:p>
-            <a:endParaRPr lang="en-US" sz="3200" spc="-1" strike="noStrike">
-              <a:solidFill>
-                <a:srgbClr val="000000"/>
-              </a:solidFill>
-              <a:uFill>
-                <a:solidFill>
-                  <a:srgbClr val="ffffff"/>
-                </a:solidFill>
-              </a:uFill>
-              <a:latin typeface="Arial"/>
-            </a:endParaRPr>
-          </a:p>
-          <a:p>
-            <a:r>
-              <a:rPr lang="en-US" sz="3200" spc="-1" strike="noStrike">
-                <a:solidFill>
-                  <a:srgbClr val="666666"/>
-                </a:solidFill>
-                <a:uFill>
-                  <a:solidFill>
-                    <a:srgbClr val="ffffff"/>
-                  </a:solidFill>
-                </a:uFill>
-                <a:latin typeface="Times New Roman"/>
-              </a:rPr>
-              <a:t>3. A customized approach: Life Expectancy</a:t>
-            </a:r>
-            <a:endParaRPr lang="en-US" sz="3200" spc="-1" strike="noStrike">
-              <a:solidFill>
-                <a:srgbClr val="000000"/>
-              </a:solidFill>
-              <a:uFill>
-                <a:solidFill>
-                  <a:srgbClr val="ffffff"/>
-                </a:solidFill>
-              </a:uFill>
-              <a:latin typeface="Arial"/>
-            </a:endParaRPr>
-          </a:p>
-          <a:p>
-            <a:endParaRPr lang="en-US" sz="3200" spc="-1" strike="noStrike">
-              <a:solidFill>
-                <a:srgbClr val="000000"/>
-              </a:solidFill>
-              <a:uFill>
-                <a:solidFill>
-                  <a:srgbClr val="ffffff"/>
-                </a:solidFill>
-              </a:uFill>
-              <a:latin typeface="Arial"/>
-            </a:endParaRPr>
-          </a:p>
           <a:p>
             <a:endParaRPr lang="en-US" sz="3200" spc="-1" strike="noStrike">
               <a:solidFill>
@@ -2738,29 +2541,227 @@
           <a:chExt cx="0" cy="0"/>
         </a:xfrm>
       </p:grpSpPr>
-      <p:pic>
-        <p:nvPicPr>
-          <p:cNvPr id="59" name="" descr=""/>
-          <p:cNvPicPr/>
+      <p:sp>
+        <p:nvSpPr>
+          <p:cNvPr id="56" name="TextShape 1"/>
+          <p:cNvSpPr txBox="1"/>
           <p:nvPr/>
-        </p:nvPicPr>
-        <p:blipFill>
-          <a:blip r:embed="rId1"/>
-          <a:stretch/>
-        </p:blipFill>
-        <p:spPr>
-          <a:xfrm>
-            <a:off x="320760" y="1737360"/>
-            <a:ext cx="9463320" cy="3474720"/>
-          </a:xfrm>
-          <a:prstGeom prst="rect">
-            <a:avLst/>
-          </a:prstGeom>
+        </p:nvSpPr>
+        <p:spPr>
+          <a:xfrm>
+            <a:off x="504000" y="301320"/>
+            <a:ext cx="9071640" cy="1262160"/>
+          </a:xfrm>
+          <a:prstGeom prst="rect">
+            <a:avLst/>
+          </a:prstGeom>
+          <a:noFill/>
           <a:ln>
             <a:noFill/>
           </a:ln>
         </p:spPr>
-      </p:pic>
+        <p:txBody>
+          <a:bodyPr lIns="0" rIns="0" tIns="0" bIns="0" anchor="ctr"/>
+          <a:p>
+            <a:pPr algn="ctr"/>
+            <a:r>
+              <a:rPr lang="en-US" sz="4400" spc="-1" strike="noStrike">
+                <a:solidFill>
+                  <a:srgbClr val="000000"/>
+                </a:solidFill>
+                <a:uFill>
+                  <a:solidFill>
+                    <a:srgbClr val="ffffff"/>
+                  </a:solidFill>
+                </a:uFill>
+                <a:latin typeface="Times New Roman"/>
+              </a:rPr>
+              <a:t>	</a:t>
+            </a:r>
+            <a:r>
+              <a:rPr lang="en-US" sz="4400" spc="-1" strike="noStrike">
+                <a:solidFill>
+                  <a:srgbClr val="666666"/>
+                </a:solidFill>
+                <a:uFill>
+                  <a:solidFill>
+                    <a:srgbClr val="ffffff"/>
+                  </a:solidFill>
+                </a:uFill>
+                <a:latin typeface="Times New Roman"/>
+              </a:rPr>
+              <a:t>Solitaire Heuristic Function</a:t>
+            </a:r>
+            <a:endParaRPr lang="en-US" sz="4400" spc="-1" strike="noStrike">
+              <a:solidFill>
+                <a:srgbClr val="000000"/>
+              </a:solidFill>
+              <a:uFill>
+                <a:solidFill>
+                  <a:srgbClr val="ffffff"/>
+                </a:solidFill>
+              </a:uFill>
+              <a:latin typeface="Arial"/>
+            </a:endParaRPr>
+          </a:p>
+        </p:txBody>
+      </p:sp>
+      <p:sp>
+        <p:nvSpPr>
+          <p:cNvPr id="57" name="TextShape 2"/>
+          <p:cNvSpPr txBox="1"/>
+          <p:nvPr/>
+        </p:nvSpPr>
+        <p:spPr>
+          <a:xfrm>
+            <a:off x="504000" y="1769040"/>
+            <a:ext cx="9071640" cy="4384440"/>
+          </a:xfrm>
+          <a:prstGeom prst="rect">
+            <a:avLst/>
+          </a:prstGeom>
+          <a:noFill/>
+          <a:ln>
+            <a:noFill/>
+          </a:ln>
+        </p:spPr>
+        <p:txBody>
+          <a:bodyPr lIns="0" rIns="0" tIns="0" bIns="0"/>
+          <a:p>
+            <a:r>
+              <a:rPr lang="en-US" sz="3200" spc="-1" strike="noStrike">
+                <a:solidFill>
+                  <a:srgbClr val="666666"/>
+                </a:solidFill>
+                <a:uFill>
+                  <a:solidFill>
+                    <a:srgbClr val="ffffff"/>
+                  </a:solidFill>
+                </a:uFill>
+                <a:latin typeface="Times New Roman"/>
+              </a:rPr>
+              <a:t>1. Solitaire Mancala: an unsolvable problem</a:t>
+            </a:r>
+            <a:endParaRPr lang="en-US" sz="3200" spc="-1" strike="noStrike">
+              <a:solidFill>
+                <a:srgbClr val="000000"/>
+              </a:solidFill>
+              <a:uFill>
+                <a:solidFill>
+                  <a:srgbClr val="ffffff"/>
+                </a:solidFill>
+              </a:uFill>
+              <a:latin typeface="Arial"/>
+            </a:endParaRPr>
+          </a:p>
+          <a:p>
+            <a:endParaRPr lang="en-US" sz="3200" spc="-1" strike="noStrike">
+              <a:solidFill>
+                <a:srgbClr val="000000"/>
+              </a:solidFill>
+              <a:uFill>
+                <a:solidFill>
+                  <a:srgbClr val="ffffff"/>
+                </a:solidFill>
+              </a:uFill>
+              <a:latin typeface="Arial"/>
+            </a:endParaRPr>
+          </a:p>
+          <a:p>
+            <a:r>
+              <a:rPr lang="en-US" sz="3200" spc="-1" strike="noStrike">
+                <a:solidFill>
+                  <a:srgbClr val="666666"/>
+                </a:solidFill>
+                <a:uFill>
+                  <a:solidFill>
+                    <a:srgbClr val="ffffff"/>
+                  </a:solidFill>
+                </a:uFill>
+                <a:latin typeface="Times New Roman"/>
+              </a:rPr>
+              <a:t>2. Fail to apply the most common approach</a:t>
+            </a:r>
+            <a:endParaRPr lang="en-US" sz="3200" spc="-1" strike="noStrike">
+              <a:solidFill>
+                <a:srgbClr val="000000"/>
+              </a:solidFill>
+              <a:uFill>
+                <a:solidFill>
+                  <a:srgbClr val="ffffff"/>
+                </a:solidFill>
+              </a:uFill>
+              <a:latin typeface="Arial"/>
+            </a:endParaRPr>
+          </a:p>
+          <a:p>
+            <a:endParaRPr lang="en-US" sz="3200" spc="-1" strike="noStrike">
+              <a:solidFill>
+                <a:srgbClr val="000000"/>
+              </a:solidFill>
+              <a:uFill>
+                <a:solidFill>
+                  <a:srgbClr val="ffffff"/>
+                </a:solidFill>
+              </a:uFill>
+              <a:latin typeface="Arial"/>
+            </a:endParaRPr>
+          </a:p>
+          <a:p>
+            <a:r>
+              <a:rPr lang="en-US" sz="3200" spc="-1" strike="noStrike">
+                <a:solidFill>
+                  <a:srgbClr val="666666"/>
+                </a:solidFill>
+                <a:uFill>
+                  <a:solidFill>
+                    <a:srgbClr val="ffffff"/>
+                  </a:solidFill>
+                </a:uFill>
+                <a:latin typeface="Times New Roman"/>
+              </a:rPr>
+              <a:t>3. A customized approach: Life Expectancy</a:t>
+            </a:r>
+            <a:endParaRPr lang="en-US" sz="3200" spc="-1" strike="noStrike">
+              <a:solidFill>
+                <a:srgbClr val="000000"/>
+              </a:solidFill>
+              <a:uFill>
+                <a:solidFill>
+                  <a:srgbClr val="ffffff"/>
+                </a:solidFill>
+              </a:uFill>
+              <a:latin typeface="Arial"/>
+            </a:endParaRPr>
+          </a:p>
+          <a:p>
+            <a:endParaRPr lang="en-US" sz="3200" spc="-1" strike="noStrike">
+              <a:solidFill>
+                <a:srgbClr val="000000"/>
+              </a:solidFill>
+              <a:uFill>
+                <a:solidFill>
+                  <a:srgbClr val="ffffff"/>
+                </a:solidFill>
+              </a:uFill>
+              <a:latin typeface="Arial"/>
+            </a:endParaRPr>
+          </a:p>
+          <a:p>
+            <a:endParaRPr lang="en-US" sz="3200" spc="-1" strike="noStrike">
+              <a:solidFill>
+                <a:srgbClr val="000000"/>
+              </a:solidFill>
+              <a:uFill>
+                <a:solidFill>
+                  <a:srgbClr val="ffffff"/>
+                </a:solidFill>
+              </a:uFill>
+              <a:latin typeface="Arial"/>
+            </a:endParaRPr>
+          </a:p>
+        </p:txBody>
+      </p:sp>
     </p:spTree>
   </p:cSld>
   <p:timing>
@@ -2812,7 +2813,7 @@
       </p:grpSpPr>
       <p:pic>
         <p:nvPicPr>
-          <p:cNvPr id="60" name="" descr=""/>
+          <p:cNvPr id="58" name="" descr=""/>
           <p:cNvPicPr/>
           <p:nvPr/>
         </p:nvPicPr>
@@ -2822,8 +2823,8 @@
         </p:blipFill>
         <p:spPr>
           <a:xfrm>
-            <a:off x="274320" y="1511640"/>
-            <a:ext cx="9522720" cy="4157640"/>
+            <a:off x="320760" y="1737360"/>
+            <a:ext cx="9463320" cy="3474720"/>
           </a:xfrm>
           <a:prstGeom prst="rect">
             <a:avLst/>
@@ -2884,7 +2885,7 @@
       </p:grpSpPr>
       <p:pic>
         <p:nvPicPr>
-          <p:cNvPr id="61" name="" descr=""/>
+          <p:cNvPr id="59" name="" descr=""/>
           <p:cNvPicPr/>
           <p:nvPr/>
         </p:nvPicPr>
@@ -2894,8 +2895,8 @@
         </p:blipFill>
         <p:spPr>
           <a:xfrm>
-            <a:off x="370800" y="1482840"/>
-            <a:ext cx="9413280" cy="4643640"/>
+            <a:off x="274320" y="1511640"/>
+            <a:ext cx="9522720" cy="4157640"/>
           </a:xfrm>
           <a:prstGeom prst="rect">
             <a:avLst/>
@@ -2956,7 +2957,7 @@
       </p:grpSpPr>
       <p:pic>
         <p:nvPicPr>
-          <p:cNvPr id="62" name="" descr=""/>
+          <p:cNvPr id="60" name="" descr=""/>
           <p:cNvPicPr/>
           <p:nvPr/>
         </p:nvPicPr>
@@ -2966,31 +2967,8 @@
         </p:blipFill>
         <p:spPr>
           <a:xfrm>
-            <a:off x="279360" y="312480"/>
-            <a:ext cx="9462240" cy="5529960"/>
-          </a:xfrm>
-          <a:prstGeom prst="rect">
-            <a:avLst/>
-          </a:prstGeom>
-          <a:ln>
-            <a:noFill/>
-          </a:ln>
-        </p:spPr>
-      </p:pic>
-      <p:pic>
-        <p:nvPicPr>
-          <p:cNvPr id="63" name="" descr=""/>
-          <p:cNvPicPr/>
-          <p:nvPr/>
-        </p:nvPicPr>
-        <p:blipFill>
-          <a:blip r:embed="rId2"/>
-          <a:stretch/>
-        </p:blipFill>
-        <p:spPr>
-          <a:xfrm>
-            <a:off x="274320" y="5842440"/>
-            <a:ext cx="9471240" cy="1472760"/>
+            <a:off x="370800" y="1482840"/>
+            <a:ext cx="9413280" cy="4643640"/>
           </a:xfrm>
           <a:prstGeom prst="rect">
             <a:avLst/>
@@ -3049,79 +3027,52 @@
           <a:chExt cx="0" cy="0"/>
         </a:xfrm>
       </p:grpSpPr>
-      <p:sp>
-        <p:nvSpPr>
-          <p:cNvPr id="64" name="TextShape 1"/>
-          <p:cNvSpPr txBox="1"/>
+      <p:pic>
+        <p:nvPicPr>
+          <p:cNvPr id="61" name="" descr=""/>
+          <p:cNvPicPr/>
           <p:nvPr/>
-        </p:nvSpPr>
-        <p:spPr>
-          <a:xfrm>
-            <a:off x="504000" y="301320"/>
-            <a:ext cx="9071640" cy="1262160"/>
-          </a:xfrm>
-          <a:prstGeom prst="rect">
-            <a:avLst/>
-          </a:prstGeom>
-          <a:noFill/>
+        </p:nvPicPr>
+        <p:blipFill>
+          <a:blip r:embed="rId1"/>
+          <a:stretch/>
+        </p:blipFill>
+        <p:spPr>
+          <a:xfrm>
+            <a:off x="279360" y="312480"/>
+            <a:ext cx="9462240" cy="5529960"/>
+          </a:xfrm>
+          <a:prstGeom prst="rect">
+            <a:avLst/>
+          </a:prstGeom>
           <a:ln>
             <a:noFill/>
           </a:ln>
         </p:spPr>
-        <p:txBody>
-          <a:bodyPr lIns="0" rIns="0" tIns="0" bIns="0" anchor="ctr"/>
-          <a:p>
-            <a:pPr algn="ctr"/>
-            <a:endParaRPr lang="en-US" sz="4400" spc="-1" strike="noStrike">
-              <a:solidFill>
-                <a:srgbClr val="000000"/>
-              </a:solidFill>
-              <a:uFill>
-                <a:solidFill>
-                  <a:srgbClr val="ffffff"/>
-                </a:solidFill>
-              </a:uFill>
-              <a:latin typeface="Arial"/>
-            </a:endParaRPr>
-          </a:p>
-        </p:txBody>
-      </p:sp>
-      <p:sp>
-        <p:nvSpPr>
-          <p:cNvPr id="65" name="TextShape 2"/>
-          <p:cNvSpPr txBox="1"/>
+      </p:pic>
+      <p:pic>
+        <p:nvPicPr>
+          <p:cNvPr id="62" name="" descr=""/>
+          <p:cNvPicPr/>
           <p:nvPr/>
-        </p:nvSpPr>
-        <p:spPr>
-          <a:xfrm>
-            <a:off x="504000" y="1769040"/>
-            <a:ext cx="9071640" cy="4384440"/>
-          </a:xfrm>
-          <a:prstGeom prst="rect">
-            <a:avLst/>
-          </a:prstGeom>
-          <a:noFill/>
+        </p:nvPicPr>
+        <p:blipFill>
+          <a:blip r:embed="rId2"/>
+          <a:stretch/>
+        </p:blipFill>
+        <p:spPr>
+          <a:xfrm>
+            <a:off x="274320" y="5842440"/>
+            <a:ext cx="9471240" cy="1472760"/>
+          </a:xfrm>
+          <a:prstGeom prst="rect">
+            <a:avLst/>
+          </a:prstGeom>
           <a:ln>
             <a:noFill/>
           </a:ln>
         </p:spPr>
-        <p:txBody>
-          <a:bodyPr lIns="0" rIns="0" tIns="0" bIns="0"/>
-          <a:p>
-            <a:endParaRPr lang="en-US" sz="3200" spc="-1" strike="noStrike">
-              <a:solidFill>
-                <a:srgbClr val="000000"/>
-              </a:solidFill>
-              <a:uFill>
-                <a:solidFill>
-                  <a:srgbClr val="ffffff"/>
-                </a:solidFill>
-              </a:uFill>
-              <a:latin typeface="Arial"/>
-            </a:endParaRPr>
-          </a:p>
-        </p:txBody>
-      </p:sp>
+      </p:pic>
     </p:spTree>
   </p:cSld>
   <p:timing>
@@ -3173,7 +3124,7 @@
       </p:grpSpPr>
       <p:sp>
         <p:nvSpPr>
-          <p:cNvPr id="66" name="TextShape 1"/>
+          <p:cNvPr id="63" name="TextShape 1"/>
           <p:cNvSpPr txBox="1"/>
           <p:nvPr/>
         </p:nvSpPr>
@@ -3194,66 +3145,23 @@
           <a:bodyPr lIns="0" rIns="0" tIns="0" bIns="0" anchor="ctr"/>
           <a:p>
             <a:pPr algn="ctr"/>
-            <a:r>
-              <a:rPr lang="en-US" sz="4400" spc="-1" strike="noStrike">
-                <a:solidFill>
-                  <a:srgbClr val="666666"/>
-                </a:solidFill>
-                <a:uFill>
-                  <a:solidFill>
-                    <a:srgbClr val="ffffff"/>
-                  </a:solidFill>
-                </a:uFill>
-                <a:latin typeface="Times New Roman"/>
-              </a:rPr>
-              <a:t>Bug Competition:</a:t>
-            </a:r>
-            <a:r>
-              <a:rPr lang="en-US" sz="4400" spc="-1" strike="noStrike">
-                <a:solidFill>
-                  <a:srgbClr val="666666"/>
-                </a:solidFill>
-                <a:uFill>
-                  <a:solidFill>
-                    <a:srgbClr val="ffffff"/>
-                  </a:solidFill>
-                </a:uFill>
-                <a:latin typeface="Times New Roman"/>
-              </a:rPr>
-              <a:t>
-</a:t>
-            </a:r>
-            <a:r>
-              <a:rPr lang="en-US" sz="4400" spc="-1" strike="noStrike">
-                <a:solidFill>
-                  <a:srgbClr val="666666"/>
-                </a:solidFill>
-                <a:uFill>
-                  <a:solidFill>
-                    <a:srgbClr val="ffffff"/>
-                  </a:solidFill>
-                </a:uFill>
-                <a:latin typeface="Times New Roman"/>
-              </a:rPr>
-              <a:t>Inspecting other teams' code</a:t>
-            </a:r>
             <a:endParaRPr lang="en-US" sz="4400" spc="-1" strike="noStrike">
               <a:solidFill>
-                <a:srgbClr val="666666"/>
-              </a:solidFill>
-              <a:uFill>
-                <a:solidFill>
-                  <a:srgbClr val="ffffff"/>
-                </a:solidFill>
-              </a:uFill>
-              <a:latin typeface="Times New Roman"/>
-            </a:endParaRPr>
-          </a:p>
-        </p:txBody>
-      </p:sp>
-      <p:sp>
-        <p:nvSpPr>
-          <p:cNvPr id="67" name="TextShape 2"/>
+                <a:srgbClr val="000000"/>
+              </a:solidFill>
+              <a:uFill>
+                <a:solidFill>
+                  <a:srgbClr val="ffffff"/>
+                </a:solidFill>
+              </a:uFill>
+              <a:latin typeface="Arial"/>
+            </a:endParaRPr>
+          </a:p>
+        </p:txBody>
+      </p:sp>
+      <p:sp>
+        <p:nvSpPr>
+          <p:cNvPr id="64" name="TextShape 2"/>
           <p:cNvSpPr txBox="1"/>
           <p:nvPr/>
         </p:nvSpPr>
@@ -3273,7 +3181,6 @@
         <p:txBody>
           <a:bodyPr lIns="0" rIns="0" tIns="0" bIns="0"/>
           <a:p>
-            <a:pPr algn="ctr"/>
             <a:endParaRPr lang="en-US" sz="3200" spc="-1" strike="noStrike">
               <a:solidFill>
                 <a:srgbClr val="000000"/>
@@ -3339,7 +3246,7 @@
       </p:grpSpPr>
       <p:sp>
         <p:nvSpPr>
-          <p:cNvPr id="68" name="TextShape 1"/>
+          <p:cNvPr id="65" name="TextShape 1"/>
           <p:cNvSpPr txBox="1"/>
           <p:nvPr/>
         </p:nvSpPr>
@@ -3360,23 +3267,66 @@
           <a:bodyPr lIns="0" rIns="0" tIns="0" bIns="0" anchor="ctr"/>
           <a:p>
             <a:pPr algn="ctr"/>
+            <a:r>
+              <a:rPr lang="en-US" sz="4400" spc="-1" strike="noStrike">
+                <a:solidFill>
+                  <a:srgbClr val="666666"/>
+                </a:solidFill>
+                <a:uFill>
+                  <a:solidFill>
+                    <a:srgbClr val="ffffff"/>
+                  </a:solidFill>
+                </a:uFill>
+                <a:latin typeface="Times New Roman"/>
+              </a:rPr>
+              <a:t>Bug Competition:</a:t>
+            </a:r>
+            <a:r>
+              <a:rPr lang="en-US" sz="4400" spc="-1" strike="noStrike">
+                <a:solidFill>
+                  <a:srgbClr val="666666"/>
+                </a:solidFill>
+                <a:uFill>
+                  <a:solidFill>
+                    <a:srgbClr val="ffffff"/>
+                  </a:solidFill>
+                </a:uFill>
+                <a:latin typeface="Times New Roman"/>
+              </a:rPr>
+              <a:t>
+</a:t>
+            </a:r>
+            <a:r>
+              <a:rPr lang="en-US" sz="4400" spc="-1" strike="noStrike">
+                <a:solidFill>
+                  <a:srgbClr val="666666"/>
+                </a:solidFill>
+                <a:uFill>
+                  <a:solidFill>
+                    <a:srgbClr val="ffffff"/>
+                  </a:solidFill>
+                </a:uFill>
+                <a:latin typeface="Times New Roman"/>
+              </a:rPr>
+              <a:t>Inspecting other teams' code</a:t>
+            </a:r>
             <a:endParaRPr lang="en-US" sz="4400" spc="-1" strike="noStrike">
               <a:solidFill>
-                <a:srgbClr val="000000"/>
-              </a:solidFill>
-              <a:uFill>
-                <a:solidFill>
-                  <a:srgbClr val="ffffff"/>
-                </a:solidFill>
-              </a:uFill>
-              <a:latin typeface="Arial"/>
-            </a:endParaRPr>
-          </a:p>
-        </p:txBody>
-      </p:sp>
-      <p:sp>
-        <p:nvSpPr>
-          <p:cNvPr id="69" name="TextShape 2"/>
+                <a:srgbClr val="666666"/>
+              </a:solidFill>
+              <a:uFill>
+                <a:solidFill>
+                  <a:srgbClr val="ffffff"/>
+                </a:solidFill>
+              </a:uFill>
+              <a:latin typeface="Times New Roman"/>
+            </a:endParaRPr>
+          </a:p>
+        </p:txBody>
+      </p:sp>
+      <p:sp>
+        <p:nvSpPr>
+          <p:cNvPr id="66" name="TextShape 2"/>
           <p:cNvSpPr txBox="1"/>
           <p:nvPr/>
         </p:nvSpPr>
@@ -3396,6 +3346,21 @@
         <p:txBody>
           <a:bodyPr lIns="0" rIns="0" tIns="0" bIns="0"/>
           <a:p>
+            <a:pPr algn="ctr"/>
+            <a:r>
+              <a:rPr lang="en-US" sz="3200" spc="-1" strike="noStrike">
+                <a:solidFill>
+                  <a:srgbClr val="000000"/>
+                </a:solidFill>
+                <a:uFill>
+                  <a:solidFill>
+                    <a:srgbClr val="ffffff"/>
+                  </a:solidFill>
+                </a:uFill>
+                <a:latin typeface="Arial"/>
+              </a:rPr>
+              <a:t> </a:t>
+            </a:r>
             <a:endParaRPr lang="en-US" sz="3200" spc="-1" strike="noStrike">
               <a:solidFill>
                 <a:srgbClr val="000000"/>
@@ -3461,7 +3426,7 @@
       </p:grpSpPr>
       <p:sp>
         <p:nvSpPr>
-          <p:cNvPr id="70" name="TextShape 1"/>
+          <p:cNvPr id="67" name="TextShape 1"/>
           <p:cNvSpPr txBox="1"/>
           <p:nvPr/>
         </p:nvSpPr>
@@ -3498,7 +3463,7 @@
       </p:sp>
       <p:sp>
         <p:nvSpPr>
-          <p:cNvPr id="71" name="TextShape 2"/>
+          <p:cNvPr id="68" name="TextShape 2"/>
           <p:cNvSpPr txBox="1"/>
           <p:nvPr/>
         </p:nvSpPr>
@@ -3613,6 +3578,128 @@
           <p:childTnLst>
             <p:seq>
               <p:cTn id="4" nodeType="mainSeq"/>
+              <p:prevCondLst>
+                <p:cond delay="0" evt="onPrev">
+                  <p:tgtEl>
+                    <p:sldTgt/>
+                  </p:tgtEl>
+                </p:cond>
+              </p:prevCondLst>
+              <p:nextCondLst>
+                <p:cond delay="0" evt="onNext">
+                  <p:tgtEl>
+                    <p:sldTgt/>
+                  </p:tgtEl>
+                </p:cond>
+              </p:nextCondLst>
+            </p:seq>
+          </p:childTnLst>
+        </p:cTn>
+      </p:par>
+    </p:tnLst>
+  </p:timing>
+</p:sld>
+</file>
+
+<file path=ppt/slides/slide20.xml><?xml version="1.0" encoding="utf-8"?>
+<p:sld xmlns:a="http://schemas.openxmlformats.org/drawingml/2006/main" xmlns:p="http://schemas.openxmlformats.org/presentationml/2006/main" xmlns:r="http://schemas.openxmlformats.org/officeDocument/2006/relationships">
+  <p:cSld>
+    <p:spTree>
+      <p:nvGrpSpPr>
+        <p:cNvPr id="1" name=""/>
+        <p:cNvGrpSpPr/>
+        <p:nvPr/>
+      </p:nvGrpSpPr>
+      <p:grpSpPr>
+        <a:xfrm>
+          <a:off x="0" y="0"/>
+          <a:ext cx="0" cy="0"/>
+          <a:chOff x="0" y="0"/>
+          <a:chExt cx="0" cy="0"/>
+        </a:xfrm>
+      </p:grpSpPr>
+      <p:sp>
+        <p:nvSpPr>
+          <p:cNvPr id="69" name="TextShape 1"/>
+          <p:cNvSpPr txBox="1"/>
+          <p:nvPr/>
+        </p:nvSpPr>
+        <p:spPr>
+          <a:xfrm>
+            <a:off x="504000" y="301320"/>
+            <a:ext cx="9071640" cy="1262160"/>
+          </a:xfrm>
+          <a:prstGeom prst="rect">
+            <a:avLst/>
+          </a:prstGeom>
+          <a:noFill/>
+          <a:ln>
+            <a:noFill/>
+          </a:ln>
+        </p:spPr>
+        <p:txBody>
+          <a:bodyPr lIns="0" rIns="0" tIns="0" bIns="0" anchor="ctr"/>
+          <a:p>
+            <a:pPr algn="ctr"/>
+            <a:endParaRPr lang="en-US" sz="4400" spc="-1" strike="noStrike">
+              <a:solidFill>
+                <a:srgbClr val="000000"/>
+              </a:solidFill>
+              <a:uFill>
+                <a:solidFill>
+                  <a:srgbClr val="ffffff"/>
+                </a:solidFill>
+              </a:uFill>
+              <a:latin typeface="Arial"/>
+            </a:endParaRPr>
+          </a:p>
+        </p:txBody>
+      </p:sp>
+      <p:sp>
+        <p:nvSpPr>
+          <p:cNvPr id="70" name="TextShape 2"/>
+          <p:cNvSpPr txBox="1"/>
+          <p:nvPr/>
+        </p:nvSpPr>
+        <p:spPr>
+          <a:xfrm>
+            <a:off x="504000" y="1769040"/>
+            <a:ext cx="9071640" cy="4384440"/>
+          </a:xfrm>
+          <a:prstGeom prst="rect">
+            <a:avLst/>
+          </a:prstGeom>
+          <a:noFill/>
+          <a:ln>
+            <a:noFill/>
+          </a:ln>
+        </p:spPr>
+        <p:txBody>
+          <a:bodyPr lIns="0" rIns="0" tIns="0" bIns="0"/>
+          <a:p>
+            <a:endParaRPr lang="en-US" sz="3200" spc="-1" strike="noStrike">
+              <a:solidFill>
+                <a:srgbClr val="000000"/>
+              </a:solidFill>
+              <a:uFill>
+                <a:solidFill>
+                  <a:srgbClr val="ffffff"/>
+                </a:solidFill>
+              </a:uFill>
+              <a:latin typeface="Arial"/>
+            </a:endParaRPr>
+          </a:p>
+        </p:txBody>
+      </p:sp>
+    </p:spTree>
+  </p:cSld>
+  <p:timing>
+    <p:tnLst>
+      <p:par>
+        <p:cTn id="39" dur="indefinite" restart="never" nodeType="tmRoot">
+          <p:childTnLst>
+            <p:seq>
+              <p:cTn id="40" nodeType="mainSeq"/>
               <p:prevCondLst>
                 <p:cond delay="0" evt="onPrev">
                   <p:tgtEl>
@@ -4162,7 +4249,7 @@
                 </a:uFill>
                 <a:latin typeface="Times New Roman"/>
               </a:rPr>
-              <a:t>2. Sharing classes</a:t>
+              <a:t>2. The board shared class</a:t>
             </a:r>
             <a:endParaRPr lang="en-US" sz="3200" spc="-1" strike="noStrike">
               <a:solidFill>
@@ -4243,6 +4330,46 @@
                 <a:latin typeface="Times New Roman"/>
               </a:rPr>
               <a:t>4. Keeping the game and the AI engine separated</a:t>
+            </a:r>
+            <a:endParaRPr lang="en-US" sz="3200" spc="-1" strike="noStrike">
+              <a:solidFill>
+                <a:srgbClr val="666666"/>
+              </a:solidFill>
+              <a:uFill>
+                <a:solidFill>
+                  <a:srgbClr val="ffffff"/>
+                </a:solidFill>
+              </a:uFill>
+              <a:latin typeface="Times New Roman"/>
+            </a:endParaRPr>
+          </a:p>
+          <a:p>
+            <a:endParaRPr lang="en-US" sz="3200" spc="-1" strike="noStrike">
+              <a:solidFill>
+                <a:srgbClr val="666666"/>
+              </a:solidFill>
+              <a:uFill>
+                <a:solidFill>
+                  <a:srgbClr val="ffffff"/>
+                </a:solidFill>
+              </a:uFill>
+              <a:latin typeface="Times New Roman"/>
+            </a:endParaRPr>
+          </a:p>
+          <a:p>
+            <a:r>
+              <a:rPr lang="en-US" sz="3200" spc="-1" strike="noStrike">
+                <a:solidFill>
+                  <a:srgbClr val="666666"/>
+                </a:solidFill>
+                <a:uFill>
+                  <a:solidFill>
+                    <a:srgbClr val="ffffff"/>
+                  </a:solidFill>
+                </a:uFill>
+                <a:latin typeface="Times New Roman"/>
+              </a:rPr>
+              <a:t>5. Interfacing with the view</a:t>
             </a:r>
             <a:endParaRPr lang="en-US" sz="3200" spc="-1" strike="noStrike">
               <a:solidFill>
@@ -4307,79 +4434,29 @@
           <a:chExt cx="0" cy="0"/>
         </a:xfrm>
       </p:grpSpPr>
-      <p:sp>
-        <p:nvSpPr>
-          <p:cNvPr id="51" name="TextShape 1"/>
-          <p:cNvSpPr txBox="1"/>
+      <p:pic>
+        <p:nvPicPr>
+          <p:cNvPr id="51" name="" descr=""/>
+          <p:cNvPicPr/>
           <p:nvPr/>
-        </p:nvSpPr>
-        <p:spPr>
-          <a:xfrm>
-            <a:off x="504000" y="301320"/>
-            <a:ext cx="9071640" cy="1262160"/>
-          </a:xfrm>
-          <a:prstGeom prst="rect">
-            <a:avLst/>
-          </a:prstGeom>
-          <a:noFill/>
+        </p:nvPicPr>
+        <p:blipFill>
+          <a:blip r:embed="rId1"/>
+          <a:stretch/>
+        </p:blipFill>
+        <p:spPr>
+          <a:xfrm>
+            <a:off x="1554480" y="760680"/>
+            <a:ext cx="6905880" cy="6280200"/>
+          </a:xfrm>
+          <a:prstGeom prst="rect">
+            <a:avLst/>
+          </a:prstGeom>
           <a:ln>
             <a:noFill/>
           </a:ln>
         </p:spPr>
-        <p:txBody>
-          <a:bodyPr lIns="0" rIns="0" tIns="0" bIns="0" anchor="ctr"/>
-          <a:p>
-            <a:pPr algn="ctr"/>
-            <a:endParaRPr lang="en-US" sz="4400" spc="-1" strike="noStrike">
-              <a:solidFill>
-                <a:srgbClr val="000000"/>
-              </a:solidFill>
-              <a:uFill>
-                <a:solidFill>
-                  <a:srgbClr val="ffffff"/>
-                </a:solidFill>
-              </a:uFill>
-              <a:latin typeface="Arial"/>
-            </a:endParaRPr>
-          </a:p>
-        </p:txBody>
-      </p:sp>
-      <p:sp>
-        <p:nvSpPr>
-          <p:cNvPr id="52" name="TextShape 2"/>
-          <p:cNvSpPr txBox="1"/>
-          <p:nvPr/>
-        </p:nvSpPr>
-        <p:spPr>
-          <a:xfrm>
-            <a:off x="504000" y="1769040"/>
-            <a:ext cx="9071640" cy="4384440"/>
-          </a:xfrm>
-          <a:prstGeom prst="rect">
-            <a:avLst/>
-          </a:prstGeom>
-          <a:noFill/>
-          <a:ln>
-            <a:noFill/>
-          </a:ln>
-        </p:spPr>
-        <p:txBody>
-          <a:bodyPr lIns="0" rIns="0" tIns="0" bIns="0"/>
-          <a:p>
-            <a:endParaRPr lang="en-US" sz="3200" spc="-1" strike="noStrike">
-              <a:solidFill>
-                <a:srgbClr val="000000"/>
-              </a:solidFill>
-              <a:uFill>
-                <a:solidFill>
-                  <a:srgbClr val="ffffff"/>
-                </a:solidFill>
-              </a:uFill>
-              <a:latin typeface="Arial"/>
-            </a:endParaRPr>
-          </a:p>
-        </p:txBody>
-      </p:sp>
+      </p:pic>
     </p:spTree>
   </p:cSld>
   <p:timing>
@@ -4429,79 +4506,29 @@
           <a:chExt cx="0" cy="0"/>
         </a:xfrm>
       </p:grpSpPr>
-      <p:sp>
-        <p:nvSpPr>
-          <p:cNvPr id="53" name="TextShape 1"/>
-          <p:cNvSpPr txBox="1"/>
+      <p:pic>
+        <p:nvPicPr>
+          <p:cNvPr id="52" name="" descr=""/>
+          <p:cNvPicPr/>
           <p:nvPr/>
-        </p:nvSpPr>
-        <p:spPr>
-          <a:xfrm>
-            <a:off x="504000" y="301320"/>
-            <a:ext cx="9071640" cy="1262160"/>
-          </a:xfrm>
-          <a:prstGeom prst="rect">
-            <a:avLst/>
-          </a:prstGeom>
-          <a:noFill/>
+        </p:nvPicPr>
+        <p:blipFill>
+          <a:blip r:embed="rId1"/>
+          <a:stretch/>
+        </p:blipFill>
+        <p:spPr>
+          <a:xfrm>
+            <a:off x="2103120" y="728640"/>
+            <a:ext cx="5686560" cy="6312240"/>
+          </a:xfrm>
+          <a:prstGeom prst="rect">
+            <a:avLst/>
+          </a:prstGeom>
           <a:ln>
             <a:noFill/>
           </a:ln>
         </p:spPr>
-        <p:txBody>
-          <a:bodyPr lIns="0" rIns="0" tIns="0" bIns="0" anchor="ctr"/>
-          <a:p>
-            <a:pPr algn="ctr"/>
-            <a:endParaRPr lang="en-US" sz="4400" spc="-1" strike="noStrike">
-              <a:solidFill>
-                <a:srgbClr val="000000"/>
-              </a:solidFill>
-              <a:uFill>
-                <a:solidFill>
-                  <a:srgbClr val="ffffff"/>
-                </a:solidFill>
-              </a:uFill>
-              <a:latin typeface="Arial"/>
-            </a:endParaRPr>
-          </a:p>
-        </p:txBody>
-      </p:sp>
-      <p:sp>
-        <p:nvSpPr>
-          <p:cNvPr id="54" name="TextShape 2"/>
-          <p:cNvSpPr txBox="1"/>
-          <p:nvPr/>
-        </p:nvSpPr>
-        <p:spPr>
-          <a:xfrm>
-            <a:off x="504000" y="1769040"/>
-            <a:ext cx="9071640" cy="4384440"/>
-          </a:xfrm>
-          <a:prstGeom prst="rect">
-            <a:avLst/>
-          </a:prstGeom>
-          <a:noFill/>
-          <a:ln>
-            <a:noFill/>
-          </a:ln>
-        </p:spPr>
-        <p:txBody>
-          <a:bodyPr lIns="0" rIns="0" tIns="0" bIns="0"/>
-          <a:p>
-            <a:endParaRPr lang="en-US" sz="3200" spc="-1" strike="noStrike">
-              <a:solidFill>
-                <a:srgbClr val="000000"/>
-              </a:solidFill>
-              <a:uFill>
-                <a:solidFill>
-                  <a:srgbClr val="ffffff"/>
-                </a:solidFill>
-              </a:uFill>
-              <a:latin typeface="Arial"/>
-            </a:endParaRPr>
-          </a:p>
-        </p:txBody>
-      </p:sp>
+      </p:pic>
     </p:spTree>
   </p:cSld>
   <p:timing>
